--- a/Presentation.pptx
+++ b/Presentation.pptx
@@ -7262,7 +7262,24 @@
                 <a:ea typeface="+mn-ea"/>
                 <a:cs typeface="+mn-cs"/>
               </a:rPr>
-              <a:t> Outils</a:t>
+              <a:t> </a:t>
+            </a:r>
+            <a:r>
+              <a:rPr kumimoji="0" lang="fr-FR" sz="4000" b="1" i="0" u="none" strike="noStrike" kern="1200" cap="none" spc="0" normalizeH="0" baseline="0" noProof="0" dirty="0" smtClean="0">
+                <a:ln>
+                  <a:noFill/>
+                </a:ln>
+                <a:solidFill>
+                  <a:prstClr val="black"/>
+                </a:solidFill>
+                <a:effectLst/>
+                <a:uLnTx/>
+                <a:uFillTx/>
+                <a:latin typeface="Calibri" panose="020F0502020204030204"/>
+                <a:ea typeface="+mn-ea"/>
+                <a:cs typeface="+mn-cs"/>
+              </a:rPr>
+              <a:t>Outils sélectionnés</a:t>
             </a:r>
             <a:endParaRPr kumimoji="0" lang="fr-FR" sz="4000" b="1" i="0" u="none" strike="noStrike" kern="1200" cap="none" spc="0" normalizeH="0" baseline="0" noProof="0" dirty="0">
               <a:ln>
@@ -10601,7 +10618,24 @@
                 <a:ea typeface="+mn-ea"/>
                 <a:cs typeface="+mn-cs"/>
               </a:rPr>
-              <a:t> Outils</a:t>
+              <a:t> </a:t>
+            </a:r>
+            <a:r>
+              <a:rPr kumimoji="0" lang="fr-FR" sz="4000" b="1" i="0" u="none" strike="noStrike" kern="1200" cap="none" spc="0" normalizeH="0" baseline="0" noProof="0" dirty="0" smtClean="0">
+                <a:ln>
+                  <a:noFill/>
+                </a:ln>
+                <a:solidFill>
+                  <a:prstClr val="black"/>
+                </a:solidFill>
+                <a:effectLst/>
+                <a:uLnTx/>
+                <a:uFillTx/>
+                <a:latin typeface="Calibri" panose="020F0502020204030204"/>
+                <a:ea typeface="+mn-ea"/>
+                <a:cs typeface="+mn-cs"/>
+              </a:rPr>
+              <a:t>Outils sélectionnés</a:t>
             </a:r>
             <a:endParaRPr kumimoji="0" lang="fr-FR" sz="4000" b="1" i="0" u="none" strike="noStrike" kern="1200" cap="none" spc="0" normalizeH="0" baseline="0" noProof="0" dirty="0">
               <a:ln>
@@ -10912,8 +10946,8 @@
         </p:nvSpPr>
         <p:spPr>
           <a:xfrm>
-            <a:off x="229538" y="219081"/>
-            <a:ext cx="6815328" cy="707886"/>
+            <a:off x="229537" y="219081"/>
+            <a:ext cx="8027771" cy="707886"/>
           </a:xfrm>
           <a:prstGeom prst="rect">
             <a:avLst/>
@@ -10944,7 +10978,11 @@
             </a:r>
             <a:r>
               <a:rPr lang="fr-FR" sz="4000" b="1" dirty="0" smtClean="0"/>
-              <a:t> ITIL</a:t>
+              <a:t> </a:t>
+            </a:r>
+            <a:r>
+              <a:rPr lang="fr-FR" sz="4000" b="1" dirty="0" smtClean="0"/>
+              <a:t>ITIL : présentation générale</a:t>
             </a:r>
             <a:endParaRPr lang="fr-FR" sz="4000" b="1" dirty="0"/>
           </a:p>
@@ -12384,7 +12422,7 @@
         <p:spPr>
           <a:xfrm>
             <a:off x="229538" y="219081"/>
-            <a:ext cx="6815328" cy="707886"/>
+            <a:ext cx="8352320" cy="707886"/>
           </a:xfrm>
           <a:prstGeom prst="rect">
             <a:avLst/>
@@ -12415,7 +12453,11 @@
             </a:r>
             <a:r>
               <a:rPr lang="fr-FR" sz="4000" b="1" dirty="0" smtClean="0"/>
-              <a:t> ITIL</a:t>
+              <a:t> </a:t>
+            </a:r>
+            <a:r>
+              <a:rPr lang="fr-FR" sz="4000" b="1" dirty="0" smtClean="0"/>
+              <a:t>ITIL : présentation générale</a:t>
             </a:r>
             <a:endParaRPr lang="fr-FR" sz="4000" b="1" dirty="0"/>
           </a:p>
@@ -13509,7 +13551,7 @@
         <p:spPr>
           <a:xfrm>
             <a:off x="229538" y="219081"/>
-            <a:ext cx="6815328" cy="707886"/>
+            <a:ext cx="7695262" cy="707886"/>
           </a:xfrm>
           <a:prstGeom prst="rect">
             <a:avLst/>
@@ -13540,7 +13582,11 @@
             </a:r>
             <a:r>
               <a:rPr lang="fr-FR" sz="4000" b="1" dirty="0" smtClean="0"/>
-              <a:t> ITIL</a:t>
+              <a:t> </a:t>
+            </a:r>
+            <a:r>
+              <a:rPr lang="fr-FR" sz="4000" b="1" dirty="0" smtClean="0"/>
+              <a:t>ITIL : principes directeurs</a:t>
             </a:r>
             <a:endParaRPr lang="fr-FR" sz="4000" b="1" dirty="0"/>
           </a:p>
@@ -14904,8 +14950,8 @@
         </p:nvSpPr>
         <p:spPr>
           <a:xfrm>
-            <a:off x="229538" y="219081"/>
-            <a:ext cx="6815328" cy="707886"/>
+            <a:off x="229537" y="219081"/>
+            <a:ext cx="7676789" cy="707886"/>
           </a:xfrm>
           <a:prstGeom prst="rect">
             <a:avLst/>
@@ -14936,7 +14982,11 @@
             </a:r>
             <a:r>
               <a:rPr lang="fr-FR" sz="4000" b="1" dirty="0" smtClean="0"/>
-              <a:t> ITIL</a:t>
+              <a:t> </a:t>
+            </a:r>
+            <a:r>
+              <a:rPr lang="fr-FR" sz="4000" b="1" dirty="0" smtClean="0"/>
+              <a:t>ITIL : principes directeurs</a:t>
             </a:r>
             <a:endParaRPr lang="fr-FR" sz="4000" b="1" dirty="0"/>
           </a:p>
@@ -16297,7 +16347,11 @@
             </a:r>
             <a:r>
               <a:rPr lang="fr-FR" sz="4000" b="1" dirty="0" smtClean="0"/>
-              <a:t> ITIL</a:t>
+              <a:t> </a:t>
+            </a:r>
+            <a:r>
+              <a:rPr lang="fr-FR" sz="4000" b="1" dirty="0" smtClean="0"/>
+              <a:t>ITIL : pratiques</a:t>
             </a:r>
             <a:endParaRPr lang="fr-FR" sz="4000" b="1" dirty="0"/>
           </a:p>
@@ -17198,7 +17252,11 @@
             </a:r>
             <a:r>
               <a:rPr lang="fr-FR" sz="4000" b="1" dirty="0" smtClean="0"/>
-              <a:t> ITIL</a:t>
+              <a:t> </a:t>
+            </a:r>
+            <a:r>
+              <a:rPr lang="fr-FR" sz="4000" b="1" dirty="0" smtClean="0"/>
+              <a:t>ITIL : pratiques</a:t>
             </a:r>
             <a:endParaRPr lang="fr-FR" sz="4000" b="1" dirty="0"/>
           </a:p>
@@ -24631,7 +24689,11 @@
           <a:p>
             <a:r>
               <a:rPr lang="fr-FR" sz="2000" dirty="0" smtClean="0"/>
-              <a:t>Alice RIVIERE</a:t>
+              <a:t>Alice </a:t>
+            </a:r>
+            <a:r>
+              <a:rPr lang="fr-FR" sz="2000" dirty="0" smtClean="0"/>
+              <a:t>RIVIERE</a:t>
             </a:r>
           </a:p>
           <a:p>
@@ -30674,7 +30736,7 @@
         <p:spPr>
           <a:xfrm>
             <a:off x="6940076" y="4659508"/>
-            <a:ext cx="4430486" cy="1323439"/>
+            <a:ext cx="4430486" cy="1631216"/>
           </a:xfrm>
           <a:prstGeom prst="rect">
             <a:avLst/>
@@ -30727,6 +30789,13 @@
             <a:r>
               <a:rPr lang="fr-FR" sz="2000" b="1" dirty="0" smtClean="0"/>
               <a:t>industrielles</a:t>
+            </a:r>
+          </a:p>
+          <a:p>
+            <a:pPr algn="ctr"/>
+            <a:r>
+              <a:rPr lang="fr-FR" sz="2000" b="1" dirty="0" smtClean="0"/>
+              <a:t>Client et User</a:t>
             </a:r>
             <a:endParaRPr lang="fr-FR" sz="2000" b="1" dirty="0"/>
           </a:p>
@@ -30936,9 +31005,24 @@
           <a:prstGeom prst="rect">
             <a:avLst/>
           </a:prstGeom>
-          <a:solidFill>
-            <a:schemeClr val="bg1"/>
-          </a:solidFill>
+          <a:gradFill flip="none" rotWithShape="1">
+            <a:gsLst>
+              <a:gs pos="0">
+                <a:srgbClr val="FC0769"/>
+              </a:gs>
+              <a:gs pos="50000">
+                <a:srgbClr val="C7688E"/>
+              </a:gs>
+              <a:gs pos="100000">
+                <a:schemeClr val="bg1">
+                  <a:shade val="100000"/>
+                  <a:satMod val="115000"/>
+                </a:schemeClr>
+              </a:gs>
+            </a:gsLst>
+            <a:lin ang="10800000" scaled="1"/>
+            <a:tileRect/>
+          </a:gradFill>
           <a:ln>
             <a:solidFill>
               <a:schemeClr val="tx1"/>
@@ -30967,17 +31051,27 @@
           <a:p>
             <a:r>
               <a:rPr lang="fr-FR" sz="2800" b="1" dirty="0" smtClean="0"/>
-              <a:t>Partie 2 : Outils</a:t>
-            </a:r>
-          </a:p>
-          <a:p>
+              <a:t>Partie 2 : </a:t>
+            </a:r>
+            <a:r>
+              <a:rPr lang="fr-FR" sz="2800" b="1" dirty="0" smtClean="0"/>
+              <a:t>Outils sélectionnés</a:t>
+            </a:r>
             <a:endParaRPr lang="fr-FR" sz="2800" b="1" dirty="0" smtClean="0"/>
           </a:p>
           <a:p>
+            <a:endParaRPr lang="fr-FR" sz="2800" b="1" dirty="0" smtClean="0"/>
+          </a:p>
+          <a:p>
             <a:r>
               <a:rPr lang="fr-FR" sz="2800" b="1" dirty="0" smtClean="0"/>
-              <a:t>Partie 3 : ITIL/SCRUM</a:t>
-            </a:r>
+              <a:t>Partie 3 </a:t>
+            </a:r>
+            <a:r>
+              <a:rPr lang="fr-FR" sz="2800" b="1" dirty="0" smtClean="0"/>
+              <a:t>: Préceptes ITIL/SCRUM appliqués</a:t>
+            </a:r>
+            <a:endParaRPr lang="fr-FR" sz="2800" b="1" dirty="0" smtClean="0"/>
           </a:p>
           <a:p>
             <a:endParaRPr lang="fr-FR" sz="2800" b="1" dirty="0" smtClean="0"/>
@@ -31875,6 +31969,88 @@
           </a:prstGeom>
         </p:spPr>
       </p:pic>
+      <p:sp>
+        <p:nvSpPr>
+          <p:cNvPr id="3" name="Rectangle 2"/>
+          <p:cNvSpPr/>
+          <p:nvPr/>
+        </p:nvSpPr>
+        <p:spPr>
+          <a:xfrm>
+            <a:off x="4552950" y="5210175"/>
+            <a:ext cx="947738" cy="781050"/>
+          </a:xfrm>
+          <a:prstGeom prst="rect">
+            <a:avLst/>
+          </a:prstGeom>
+          <a:solidFill>
+            <a:schemeClr val="bg1"/>
+          </a:solidFill>
+          <a:ln>
+            <a:noFill/>
+          </a:ln>
+        </p:spPr>
+        <p:style>
+          <a:lnRef idx="2">
+            <a:schemeClr val="accent1">
+              <a:shade val="50000"/>
+            </a:schemeClr>
+          </a:lnRef>
+          <a:fillRef idx="1">
+            <a:schemeClr val="accent1"/>
+          </a:fillRef>
+          <a:effectRef idx="0">
+            <a:schemeClr val="accent1"/>
+          </a:effectRef>
+          <a:fontRef idx="minor">
+            <a:schemeClr val="lt1"/>
+          </a:fontRef>
+        </p:style>
+        <p:txBody>
+          <a:bodyPr rtlCol="0" anchor="ctr"/>
+          <a:lstStyle/>
+          <a:p>
+            <a:pPr algn="ctr"/>
+            <a:endParaRPr lang="fr-FR" dirty="0"/>
+          </a:p>
+        </p:txBody>
+      </p:sp>
+      <p:sp>
+        <p:nvSpPr>
+          <p:cNvPr id="9" name="ZoneTexte 8"/>
+          <p:cNvSpPr txBox="1"/>
+          <p:nvPr/>
+        </p:nvSpPr>
+        <p:spPr>
+          <a:xfrm>
+            <a:off x="4462734" y="5138340"/>
+            <a:ext cx="681597" cy="523220"/>
+          </a:xfrm>
+          <a:prstGeom prst="rect">
+            <a:avLst/>
+          </a:prstGeom>
+          <a:noFill/>
+        </p:spPr>
+        <p:txBody>
+          <a:bodyPr wrap="none" rtlCol="0">
+            <a:spAutoFit/>
+          </a:bodyPr>
+          <a:lstStyle/>
+          <a:p>
+            <a:r>
+              <a:rPr lang="fr-FR" sz="1400" b="1" dirty="0" smtClean="0"/>
+              <a:t>ITIL V4</a:t>
+            </a:r>
+          </a:p>
+          <a:p>
+            <a:r>
+              <a:rPr lang="fr-FR" sz="1400" b="1" dirty="0" smtClean="0"/>
+              <a:t>(2019)</a:t>
+            </a:r>
+            <a:endParaRPr lang="fr-FR" sz="1400" b="1" dirty="0"/>
+          </a:p>
+        </p:txBody>
+      </p:sp>
     </p:spTree>
     <p:extLst>
       <p:ext uri="{BB962C8B-B14F-4D97-AF65-F5344CB8AC3E}">
@@ -36575,7 +36751,16 @@
                 <a:ea typeface="+mn-ea"/>
                 <a:cs typeface="+mn-cs"/>
               </a:rPr>
-              <a:t> Outils</a:t>
+              <a:t> </a:t>
+            </a:r>
+            <a:r>
+              <a:rPr lang="fr-FR" sz="4000" b="1" dirty="0" smtClean="0">
+                <a:solidFill>
+                  <a:prstClr val="black"/>
+                </a:solidFill>
+                <a:latin typeface="Calibri" panose="020F0502020204030204"/>
+              </a:rPr>
+              <a:t>Présentation d’un « sprint »</a:t>
             </a:r>
             <a:endParaRPr kumimoji="0" lang="fr-FR" sz="4000" b="1" i="0" u="none" strike="noStrike" kern="1200" cap="none" spc="0" normalizeH="0" baseline="0" noProof="0" dirty="0">
               <a:ln>

--- a/Presentation.pptx
+++ b/Presentation.pptx
@@ -7262,24 +7262,7 @@
                 <a:ea typeface="+mn-ea"/>
                 <a:cs typeface="+mn-cs"/>
               </a:rPr>
-              <a:t> </a:t>
-            </a:r>
-            <a:r>
-              <a:rPr kumimoji="0" lang="fr-FR" sz="4000" b="1" i="0" u="none" strike="noStrike" kern="1200" cap="none" spc="0" normalizeH="0" baseline="0" noProof="0" dirty="0" smtClean="0">
-                <a:ln>
-                  <a:noFill/>
-                </a:ln>
-                <a:solidFill>
-                  <a:prstClr val="black"/>
-                </a:solidFill>
-                <a:effectLst/>
-                <a:uLnTx/>
-                <a:uFillTx/>
-                <a:latin typeface="Calibri" panose="020F0502020204030204"/>
-                <a:ea typeface="+mn-ea"/>
-                <a:cs typeface="+mn-cs"/>
-              </a:rPr>
-              <a:t>Outils sélectionnés</a:t>
+              <a:t> Outils sélectionnés</a:t>
             </a:r>
             <a:endParaRPr kumimoji="0" lang="fr-FR" sz="4000" b="1" i="0" u="none" strike="noStrike" kern="1200" cap="none" spc="0" normalizeH="0" baseline="0" noProof="0" dirty="0">
               <a:ln>
@@ -10618,24 +10601,7 @@
                 <a:ea typeface="+mn-ea"/>
                 <a:cs typeface="+mn-cs"/>
               </a:rPr>
-              <a:t> </a:t>
-            </a:r>
-            <a:r>
-              <a:rPr kumimoji="0" lang="fr-FR" sz="4000" b="1" i="0" u="none" strike="noStrike" kern="1200" cap="none" spc="0" normalizeH="0" baseline="0" noProof="0" dirty="0" smtClean="0">
-                <a:ln>
-                  <a:noFill/>
-                </a:ln>
-                <a:solidFill>
-                  <a:prstClr val="black"/>
-                </a:solidFill>
-                <a:effectLst/>
-                <a:uLnTx/>
-                <a:uFillTx/>
-                <a:latin typeface="Calibri" panose="020F0502020204030204"/>
-                <a:ea typeface="+mn-ea"/>
-                <a:cs typeface="+mn-cs"/>
-              </a:rPr>
-              <a:t>Outils sélectionnés</a:t>
+              <a:t> Outils sélectionnés</a:t>
             </a:r>
             <a:endParaRPr kumimoji="0" lang="fr-FR" sz="4000" b="1" i="0" u="none" strike="noStrike" kern="1200" cap="none" spc="0" normalizeH="0" baseline="0" noProof="0" dirty="0">
               <a:ln>
@@ -10978,11 +10944,7 @@
             </a:r>
             <a:r>
               <a:rPr lang="fr-FR" sz="4000" b="1" dirty="0" smtClean="0"/>
-              <a:t> </a:t>
-            </a:r>
-            <a:r>
-              <a:rPr lang="fr-FR" sz="4000" b="1" dirty="0" smtClean="0"/>
-              <a:t>ITIL : présentation générale</a:t>
+              <a:t> ITIL : présentation générale</a:t>
             </a:r>
             <a:endParaRPr lang="fr-FR" sz="4000" b="1" dirty="0"/>
           </a:p>
@@ -12453,11 +12415,7 @@
             </a:r>
             <a:r>
               <a:rPr lang="fr-FR" sz="4000" b="1" dirty="0" smtClean="0"/>
-              <a:t> </a:t>
-            </a:r>
-            <a:r>
-              <a:rPr lang="fr-FR" sz="4000" b="1" dirty="0" smtClean="0"/>
-              <a:t>ITIL : présentation générale</a:t>
+              <a:t> ITIL : présentation générale</a:t>
             </a:r>
             <a:endParaRPr lang="fr-FR" sz="4000" b="1" dirty="0"/>
           </a:p>
@@ -13582,11 +13540,7 @@
             </a:r>
             <a:r>
               <a:rPr lang="fr-FR" sz="4000" b="1" dirty="0" smtClean="0"/>
-              <a:t> </a:t>
-            </a:r>
-            <a:r>
-              <a:rPr lang="fr-FR" sz="4000" b="1" dirty="0" smtClean="0"/>
-              <a:t>ITIL : principes directeurs</a:t>
+              <a:t> ITIL : principes directeurs</a:t>
             </a:r>
             <a:endParaRPr lang="fr-FR" sz="4000" b="1" dirty="0"/>
           </a:p>
@@ -14982,11 +14936,7 @@
             </a:r>
             <a:r>
               <a:rPr lang="fr-FR" sz="4000" b="1" dirty="0" smtClean="0"/>
-              <a:t> </a:t>
-            </a:r>
-            <a:r>
-              <a:rPr lang="fr-FR" sz="4000" b="1" dirty="0" smtClean="0"/>
-              <a:t>ITIL : principes directeurs</a:t>
+              <a:t> ITIL : principes directeurs</a:t>
             </a:r>
             <a:endParaRPr lang="fr-FR" sz="4000" b="1" dirty="0"/>
           </a:p>
@@ -16347,11 +16297,7 @@
             </a:r>
             <a:r>
               <a:rPr lang="fr-FR" sz="4000" b="1" dirty="0" smtClean="0"/>
-              <a:t> </a:t>
-            </a:r>
-            <a:r>
-              <a:rPr lang="fr-FR" sz="4000" b="1" dirty="0" smtClean="0"/>
-              <a:t>ITIL : pratiques</a:t>
+              <a:t> ITIL : pratiques</a:t>
             </a:r>
             <a:endParaRPr lang="fr-FR" sz="4000" b="1" dirty="0"/>
           </a:p>
@@ -17252,11 +17198,7 @@
             </a:r>
             <a:r>
               <a:rPr lang="fr-FR" sz="4000" b="1" dirty="0" smtClean="0"/>
-              <a:t> </a:t>
-            </a:r>
-            <a:r>
-              <a:rPr lang="fr-FR" sz="4000" b="1" dirty="0" smtClean="0"/>
-              <a:t>ITIL : pratiques</a:t>
+              <a:t> ITIL : pratiques</a:t>
             </a:r>
             <a:endParaRPr lang="fr-FR" sz="4000" b="1" dirty="0"/>
           </a:p>
@@ -23847,21 +23789,22 @@
               <a:defRPr/>
             </a:pPr>
             <a:r>
-              <a:rPr kumimoji="0" lang="fr-FR" sz="4000" b="1" i="0" u="none" strike="noStrike" kern="1200" cap="none" spc="0" normalizeH="0" baseline="0" noProof="0" dirty="0" smtClean="0">
-                <a:ln>
-                  <a:noFill/>
-                </a:ln>
+              <a:rPr lang="fr-FR" sz="4000" b="1" dirty="0" smtClean="0">
                 <a:solidFill>
                   <a:srgbClr val="F70F6C"/>
                 </a:solidFill>
-                <a:effectLst/>
-                <a:uLnTx/>
-                <a:uFillTx/>
                 <a:latin typeface="Calibri" panose="020F0502020204030204"/>
-                <a:ea typeface="+mn-ea"/>
-                <a:cs typeface="+mn-cs"/>
               </a:rPr>
-              <a:t>CONCLUSION/PERSPECTIVES</a:t>
+              <a:t>SUPPORT </a:t>
+            </a:r>
+            <a:r>
+              <a:rPr lang="fr-FR" sz="4000" b="1" dirty="0" err="1" smtClean="0">
+                <a:solidFill>
+                  <a:srgbClr val="F70F6C"/>
+                </a:solidFill>
+                <a:latin typeface="Calibri" panose="020F0502020204030204"/>
+              </a:rPr>
+              <a:t>QRcode</a:t>
             </a:r>
             <a:endParaRPr kumimoji="0" lang="fr-FR" sz="4000" b="1" i="0" u="none" strike="noStrike" kern="1200" cap="none" spc="0" normalizeH="0" baseline="0" noProof="0" dirty="0">
               <a:ln>
@@ -23889,7 +23832,7 @@
         <p:spPr>
           <a:xfrm>
             <a:off x="549293" y="1802391"/>
-            <a:ext cx="4278086" cy="4401205"/>
+            <a:ext cx="4278086" cy="5693866"/>
           </a:xfrm>
           <a:prstGeom prst="rect">
             <a:avLst/>
@@ -24019,6 +23962,106 @@
               <a:defRPr/>
             </a:pPr>
             <a:r>
+              <a:rPr kumimoji="0" lang="fr-FR" sz="2400" b="1" i="0" u="none" strike="noStrike" kern="1200" cap="none" spc="0" normalizeH="0" baseline="0" noProof="0" dirty="0" smtClean="0">
+                <a:ln>
+                  <a:noFill/>
+                </a:ln>
+                <a:solidFill>
+                  <a:prstClr val="black"/>
+                </a:solidFill>
+                <a:effectLst/>
+                <a:uLnTx/>
+                <a:uFillTx/>
+                <a:latin typeface="Calibri" panose="020F0502020204030204"/>
+                <a:ea typeface="+mn-ea"/>
+                <a:cs typeface="+mn-cs"/>
+              </a:rPr>
+              <a:t>Merci de votre attention</a:t>
+            </a:r>
+            <a:endParaRPr kumimoji="0" lang="fr-FR" sz="2400" b="1" i="0" u="none" strike="noStrike" kern="1200" cap="none" spc="0" normalizeH="0" baseline="0" noProof="0" dirty="0">
+              <a:ln>
+                <a:noFill/>
+              </a:ln>
+              <a:solidFill>
+                <a:prstClr val="black"/>
+              </a:solidFill>
+              <a:effectLst/>
+              <a:uLnTx/>
+              <a:uFillTx/>
+              <a:latin typeface="Calibri" panose="020F0502020204030204"/>
+              <a:ea typeface="+mn-ea"/>
+              <a:cs typeface="+mn-cs"/>
+            </a:endParaRPr>
+          </a:p>
+          <a:p>
+            <a:pPr marL="0" marR="0" lvl="0" indent="0" algn="ctr" defTabSz="914400" rtl="0" eaLnBrk="1" fontAlgn="auto" latinLnBrk="0" hangingPunct="1">
+              <a:lnSpc>
+                <a:spcPct val="100000"/>
+              </a:lnSpc>
+              <a:spcBef>
+                <a:spcPts val="0"/>
+              </a:spcBef>
+              <a:spcAft>
+                <a:spcPts val="0"/>
+              </a:spcAft>
+              <a:buClrTx/>
+              <a:buSzTx/>
+              <a:buFontTx/>
+              <a:buNone/>
+              <a:tabLst/>
+              <a:defRPr/>
+            </a:pPr>
+            <a:endParaRPr kumimoji="0" lang="fr-FR" sz="2400" b="1" i="0" u="none" strike="noStrike" kern="1200" cap="none" spc="0" normalizeH="0" baseline="0" noProof="0" dirty="0" smtClean="0">
+              <a:ln>
+                <a:noFill/>
+              </a:ln>
+              <a:solidFill>
+                <a:prstClr val="black"/>
+              </a:solidFill>
+              <a:effectLst/>
+              <a:uLnTx/>
+              <a:uFillTx/>
+              <a:latin typeface="Calibri" panose="020F0502020204030204"/>
+              <a:ea typeface="+mn-ea"/>
+              <a:cs typeface="+mn-cs"/>
+            </a:endParaRPr>
+          </a:p>
+          <a:p>
+            <a:pPr marL="0" marR="0" lvl="0" indent="0" algn="ctr" defTabSz="914400" rtl="0" eaLnBrk="1" fontAlgn="auto" latinLnBrk="0" hangingPunct="1">
+              <a:lnSpc>
+                <a:spcPct val="100000"/>
+              </a:lnSpc>
+              <a:spcBef>
+                <a:spcPts val="0"/>
+              </a:spcBef>
+              <a:spcAft>
+                <a:spcPts val="0"/>
+              </a:spcAft>
+              <a:buClrTx/>
+              <a:buSzTx/>
+              <a:buFontTx/>
+              <a:buNone/>
+              <a:tabLst/>
+              <a:defRPr/>
+            </a:pPr>
+            <a:r>
+              <a:rPr kumimoji="0" lang="fr-FR" sz="2400" b="1" i="0" u="none" strike="noStrike" kern="1200" cap="none" spc="0" normalizeH="0" baseline="0" noProof="0" dirty="0" smtClean="0">
+                <a:ln>
+                  <a:noFill/>
+                </a:ln>
+                <a:solidFill>
+                  <a:prstClr val="black"/>
+                </a:solidFill>
+                <a:effectLst/>
+                <a:uLnTx/>
+                <a:uFillTx/>
+                <a:latin typeface="Calibri" panose="020F0502020204030204"/>
+                <a:ea typeface="+mn-ea"/>
+                <a:cs typeface="+mn-cs"/>
+              </a:rPr>
+              <a:t>Vous pouvez retrouver et télécharger cette présentation sur GITHUB en passant par ce QR Code</a:t>
+            </a:r>
+            <a:r>
               <a:rPr kumimoji="0" lang="fr-FR" sz="2000" b="1" i="0" u="none" strike="noStrike" kern="1200" cap="none" spc="0" normalizeH="0" baseline="0" noProof="0" dirty="0" smtClean="0">
                 <a:ln>
                   <a:noFill/>
@@ -24033,21 +24076,32 @@
                 <a:ea typeface="+mn-ea"/>
                 <a:cs typeface="+mn-cs"/>
               </a:rPr>
-              <a:t>Merci de votre attention</a:t>
-            </a:r>
-            <a:endParaRPr kumimoji="0" lang="fr-FR" sz="2000" b="1" i="0" u="none" strike="noStrike" kern="1200" cap="none" spc="0" normalizeH="0" baseline="0" noProof="0" dirty="0">
-              <a:ln>
-                <a:noFill/>
-              </a:ln>
+              <a:t>.</a:t>
+            </a:r>
+          </a:p>
+          <a:p>
+            <a:pPr marL="0" marR="0" lvl="0" indent="0" algn="ctr" defTabSz="914400" rtl="0" eaLnBrk="1" fontAlgn="auto" latinLnBrk="0" hangingPunct="1">
+              <a:lnSpc>
+                <a:spcPct val="100000"/>
+              </a:lnSpc>
+              <a:spcBef>
+                <a:spcPts val="0"/>
+              </a:spcBef>
+              <a:spcAft>
+                <a:spcPts val="0"/>
+              </a:spcAft>
+              <a:buClrTx/>
+              <a:buSzTx/>
+              <a:buFontTx/>
+              <a:buNone/>
+              <a:tabLst/>
+              <a:defRPr/>
+            </a:pPr>
+            <a:endParaRPr lang="fr-FR" sz="2000" b="1" dirty="0">
               <a:solidFill>
                 <a:prstClr val="black"/>
               </a:solidFill>
-              <a:effectLst/>
-              <a:uLnTx/>
-              <a:uFillTx/>
               <a:latin typeface="Calibri" panose="020F0502020204030204"/>
-              <a:ea typeface="+mn-ea"/>
-              <a:cs typeface="+mn-cs"/>
             </a:endParaRPr>
           </a:p>
           <a:p>
@@ -24084,42 +24138,6 @@
             </a:endParaRPr>
           </a:p>
           <a:p>
-            <a:pPr marL="0" marR="0" lvl="0" indent="0" algn="ctr" defTabSz="914400" rtl="0" eaLnBrk="1" fontAlgn="auto" latinLnBrk="0" hangingPunct="1">
-              <a:lnSpc>
-                <a:spcPct val="100000"/>
-              </a:lnSpc>
-              <a:spcBef>
-                <a:spcPts val="0"/>
-              </a:spcBef>
-              <a:spcAft>
-                <a:spcPts val="0"/>
-              </a:spcAft>
-              <a:buClrTx/>
-              <a:buSzTx/>
-              <a:buFontTx/>
-              <a:buNone/>
-              <a:tabLst/>
-              <a:defRPr/>
-            </a:pPr>
-            <a:r>
-              <a:rPr kumimoji="0" lang="fr-FR" sz="2000" b="1" i="0" u="none" strike="noStrike" kern="1200" cap="none" spc="0" normalizeH="0" baseline="0" noProof="0" dirty="0" smtClean="0">
-                <a:ln>
-                  <a:noFill/>
-                </a:ln>
-                <a:solidFill>
-                  <a:prstClr val="black"/>
-                </a:solidFill>
-                <a:effectLst/>
-                <a:uLnTx/>
-                <a:uFillTx/>
-                <a:latin typeface="Calibri" panose="020F0502020204030204"/>
-                <a:ea typeface="+mn-ea"/>
-                <a:cs typeface="+mn-cs"/>
-              </a:rPr>
-              <a:t>Vous pouvez retrouver et télécharger cette présentation sur GITHUB en passant par ce QR Code.</a:t>
-            </a:r>
-          </a:p>
-          <a:p>
             <a:pPr marL="0" marR="0" lvl="0" indent="0" algn="l" defTabSz="914400" rtl="0" eaLnBrk="1" fontAlgn="auto" latinLnBrk="0" hangingPunct="1">
               <a:lnSpc>
                 <a:spcPct val="100000"/>
@@ -24426,6 +24444,36 @@
           </a:prstGeom>
         </p:spPr>
       </p:pic>
+      <p:sp>
+        <p:nvSpPr>
+          <p:cNvPr id="6" name="ZoneTexte 5"/>
+          <p:cNvSpPr txBox="1"/>
+          <p:nvPr/>
+        </p:nvSpPr>
+        <p:spPr>
+          <a:xfrm>
+            <a:off x="10096413" y="6018930"/>
+            <a:ext cx="1033040" cy="369332"/>
+          </a:xfrm>
+          <a:prstGeom prst="rect">
+            <a:avLst/>
+          </a:prstGeom>
+          <a:noFill/>
+        </p:spPr>
+        <p:txBody>
+          <a:bodyPr wrap="none" rtlCol="0">
+            <a:spAutoFit/>
+          </a:bodyPr>
+          <a:lstStyle/>
+          <a:p>
+            <a:r>
+              <a:rPr lang="fr-FR" dirty="0" smtClean="0"/>
+              <a:t>Unitag.io</a:t>
+            </a:r>
+            <a:endParaRPr lang="fr-FR" dirty="0"/>
+          </a:p>
+        </p:txBody>
+      </p:sp>
     </p:spTree>
     <p:extLst>
       <p:ext uri="{BB962C8B-B14F-4D97-AF65-F5344CB8AC3E}">
@@ -24689,11 +24737,7 @@
           <a:p>
             <a:r>
               <a:rPr lang="fr-FR" sz="2000" dirty="0" smtClean="0"/>
-              <a:t>Alice </a:t>
-            </a:r>
-            <a:r>
-              <a:rPr lang="fr-FR" sz="2000" dirty="0" smtClean="0"/>
-              <a:t>RIVIERE</a:t>
+              <a:t>Alice RIVIERE</a:t>
             </a:r>
           </a:p>
           <a:p>
@@ -31051,27 +31095,17 @@
           <a:p>
             <a:r>
               <a:rPr lang="fr-FR" sz="2800" b="1" dirty="0" smtClean="0"/>
-              <a:t>Partie 2 : </a:t>
-            </a:r>
+              <a:t>Partie 2 : Outils sélectionnés</a:t>
+            </a:r>
+          </a:p>
+          <a:p>
+            <a:endParaRPr lang="fr-FR" sz="2800" b="1" dirty="0" smtClean="0"/>
+          </a:p>
+          <a:p>
             <a:r>
               <a:rPr lang="fr-FR" sz="2800" b="1" dirty="0" smtClean="0"/>
-              <a:t>Outils sélectionnés</a:t>
-            </a:r>
-            <a:endParaRPr lang="fr-FR" sz="2800" b="1" dirty="0" smtClean="0"/>
-          </a:p>
-          <a:p>
-            <a:endParaRPr lang="fr-FR" sz="2800" b="1" dirty="0" smtClean="0"/>
-          </a:p>
-          <a:p>
-            <a:r>
-              <a:rPr lang="fr-FR" sz="2800" b="1" dirty="0" smtClean="0"/>
-              <a:t>Partie 3 </a:t>
-            </a:r>
-            <a:r>
-              <a:rPr lang="fr-FR" sz="2800" b="1" dirty="0" smtClean="0"/>
-              <a:t>: Préceptes ITIL/SCRUM appliqués</a:t>
-            </a:r>
-            <a:endParaRPr lang="fr-FR" sz="2800" b="1" dirty="0" smtClean="0"/>
+              <a:t>Partie 3 : Préceptes ITIL/SCRUM appliqués</a:t>
+            </a:r>
           </a:p>
           <a:p>
             <a:endParaRPr lang="fr-FR" sz="2800" b="1" dirty="0" smtClean="0"/>

--- a/Presentation.pptx
+++ b/Presentation.pptx
@@ -28,8 +28,8 @@
     <p:sldId id="271" r:id="rId19"/>
     <p:sldId id="272" r:id="rId20"/>
     <p:sldId id="298" r:id="rId21"/>
-    <p:sldId id="299" r:id="rId22"/>
-    <p:sldId id="266" r:id="rId23"/>
+    <p:sldId id="266" r:id="rId22"/>
+    <p:sldId id="299" r:id="rId23"/>
     <p:sldId id="277" r:id="rId24"/>
     <p:sldId id="279" r:id="rId25"/>
     <p:sldId id="280" r:id="rId26"/>
@@ -235,7 +235,7 @@
           <a:p>
             <a:fld id="{C00EC660-3205-42FC-95FF-5DA6AE9596D8}" type="datetimeFigureOut">
               <a:rPr lang="fr-FR" smtClean="0"/>
-              <a:t>21/10/2019</a:t>
+              <a:t>22/10/2019</a:t>
             </a:fld>
             <a:endParaRPr lang="fr-FR"/>
           </a:p>
@@ -1576,7 +1576,7 @@
           <a:p>
             <a:fld id="{5C79DCCF-9527-4CA7-8D8C-94FC55F3833A}" type="datetime1">
               <a:rPr lang="fr-FR" smtClean="0"/>
-              <a:t>21/10/2019</a:t>
+              <a:t>22/10/2019</a:t>
             </a:fld>
             <a:endParaRPr lang="fr-FR"/>
           </a:p>
@@ -1746,7 +1746,7 @@
           <a:p>
             <a:fld id="{63EB029A-7515-4770-91D7-7AFE262C7F5E}" type="datetime1">
               <a:rPr lang="fr-FR" smtClean="0"/>
-              <a:t>21/10/2019</a:t>
+              <a:t>22/10/2019</a:t>
             </a:fld>
             <a:endParaRPr lang="fr-FR"/>
           </a:p>
@@ -1926,7 +1926,7 @@
           <a:p>
             <a:fld id="{65BF9665-2BE0-4349-B9CE-6AA11648B57A}" type="datetime1">
               <a:rPr lang="fr-FR" smtClean="0"/>
-              <a:t>21/10/2019</a:t>
+              <a:t>22/10/2019</a:t>
             </a:fld>
             <a:endParaRPr lang="fr-FR"/>
           </a:p>
@@ -2096,7 +2096,7 @@
           <a:p>
             <a:fld id="{33A641AD-FF80-464E-9A0A-1A7604160BD3}" type="datetime1">
               <a:rPr lang="fr-FR" smtClean="0"/>
-              <a:t>21/10/2019</a:t>
+              <a:t>22/10/2019</a:t>
             </a:fld>
             <a:endParaRPr lang="fr-FR"/>
           </a:p>
@@ -2342,7 +2342,7 @@
           <a:p>
             <a:fld id="{DB205372-CAE5-437D-B394-3F9BE76C4030}" type="datetime1">
               <a:rPr lang="fr-FR" smtClean="0"/>
-              <a:t>21/10/2019</a:t>
+              <a:t>22/10/2019</a:t>
             </a:fld>
             <a:endParaRPr lang="fr-FR"/>
           </a:p>
@@ -2574,7 +2574,7 @@
           <a:p>
             <a:fld id="{60420743-F3B9-4548-A076-252075C7BB8C}" type="datetime1">
               <a:rPr lang="fr-FR" smtClean="0"/>
-              <a:t>21/10/2019</a:t>
+              <a:t>22/10/2019</a:t>
             </a:fld>
             <a:endParaRPr lang="fr-FR"/>
           </a:p>
@@ -2941,7 +2941,7 @@
           <a:p>
             <a:fld id="{743D909F-9723-4CE0-ADF6-3C0E82F66E49}" type="datetime1">
               <a:rPr lang="fr-FR" smtClean="0"/>
-              <a:t>21/10/2019</a:t>
+              <a:t>22/10/2019</a:t>
             </a:fld>
             <a:endParaRPr lang="fr-FR"/>
           </a:p>
@@ -3059,7 +3059,7 @@
           <a:p>
             <a:fld id="{303BB6E8-BC22-49DA-BB7F-5808036BBAF2}" type="datetime1">
               <a:rPr lang="fr-FR" smtClean="0"/>
-              <a:t>21/10/2019</a:t>
+              <a:t>22/10/2019</a:t>
             </a:fld>
             <a:endParaRPr lang="fr-FR"/>
           </a:p>
@@ -3154,7 +3154,7 @@
           <a:p>
             <a:fld id="{165AC291-C51E-4F4C-B51B-C08D8D3F3714}" type="datetime1">
               <a:rPr lang="fr-FR" smtClean="0"/>
-              <a:t>21/10/2019</a:t>
+              <a:t>22/10/2019</a:t>
             </a:fld>
             <a:endParaRPr lang="fr-FR"/>
           </a:p>
@@ -3431,7 +3431,7 @@
           <a:p>
             <a:fld id="{75BB4492-626A-43D3-9F68-7BDB73F035AD}" type="datetime1">
               <a:rPr lang="fr-FR" smtClean="0"/>
-              <a:t>21/10/2019</a:t>
+              <a:t>22/10/2019</a:t>
             </a:fld>
             <a:endParaRPr lang="fr-FR"/>
           </a:p>
@@ -3684,7 +3684,7 @@
           <a:p>
             <a:fld id="{83A15887-5608-48F1-8942-A1FBD3EE4D1E}" type="datetime1">
               <a:rPr lang="fr-FR" smtClean="0"/>
-              <a:t>21/10/2019</a:t>
+              <a:t>22/10/2019</a:t>
             </a:fld>
             <a:endParaRPr lang="fr-FR"/>
           </a:p>
@@ -3897,7 +3897,7 @@
           <a:p>
             <a:fld id="{C0ABF4E9-EC8D-4912-8323-2E6ED85D4DBD}" type="datetime1">
               <a:rPr lang="fr-FR" smtClean="0"/>
-              <a:t>21/10/2019</a:t>
+              <a:t>22/10/2019</a:t>
             </a:fld>
             <a:endParaRPr lang="fr-FR"/>
           </a:p>
@@ -11077,78 +11077,6 @@
           </a:p>
         </p:txBody>
       </p:sp>
-      <p:cxnSp>
-        <p:nvCxnSpPr>
-          <p:cNvPr id="13" name="Connecteur droit avec flèche 12"/>
-          <p:cNvCxnSpPr/>
-          <p:nvPr/>
-        </p:nvCxnSpPr>
-        <p:spPr>
-          <a:xfrm>
-            <a:off x="8515897" y="3268674"/>
-            <a:ext cx="0" cy="427704"/>
-          </a:xfrm>
-          <a:prstGeom prst="straightConnector1">
-            <a:avLst/>
-          </a:prstGeom>
-          <a:ln w="60325">
-            <a:solidFill>
-              <a:schemeClr val="tx1"/>
-            </a:solidFill>
-            <a:tailEnd type="triangle"/>
-          </a:ln>
-        </p:spPr>
-        <p:style>
-          <a:lnRef idx="1">
-            <a:schemeClr val="accent1"/>
-          </a:lnRef>
-          <a:fillRef idx="0">
-            <a:schemeClr val="accent1"/>
-          </a:fillRef>
-          <a:effectRef idx="0">
-            <a:schemeClr val="accent1"/>
-          </a:effectRef>
-          <a:fontRef idx="minor">
-            <a:schemeClr val="tx1"/>
-          </a:fontRef>
-        </p:style>
-      </p:cxnSp>
-      <p:cxnSp>
-        <p:nvCxnSpPr>
-          <p:cNvPr id="19" name="Connecteur droit avec flèche 18"/>
-          <p:cNvCxnSpPr/>
-          <p:nvPr/>
-        </p:nvCxnSpPr>
-        <p:spPr>
-          <a:xfrm flipV="1">
-            <a:off x="5984087" y="3268674"/>
-            <a:ext cx="0" cy="427704"/>
-          </a:xfrm>
-          <a:prstGeom prst="straightConnector1">
-            <a:avLst/>
-          </a:prstGeom>
-          <a:ln w="60325">
-            <a:solidFill>
-              <a:schemeClr val="tx1"/>
-            </a:solidFill>
-            <a:tailEnd type="triangle"/>
-          </a:ln>
-        </p:spPr>
-        <p:style>
-          <a:lnRef idx="1">
-            <a:schemeClr val="accent1"/>
-          </a:lnRef>
-          <a:fillRef idx="0">
-            <a:schemeClr val="accent1"/>
-          </a:fillRef>
-          <a:effectRef idx="0">
-            <a:schemeClr val="accent1"/>
-          </a:effectRef>
-          <a:fontRef idx="minor">
-            <a:schemeClr val="tx1"/>
-          </a:fontRef>
-        </p:style>
-      </p:cxnSp>
       <p:sp>
         <p:nvSpPr>
           <p:cNvPr id="20" name="ZoneTexte 19"/>
@@ -11158,7 +11086,7 @@
         <p:spPr>
           <a:xfrm>
             <a:off x="6111073" y="3271133"/>
-            <a:ext cx="1179875" cy="369332"/>
+            <a:ext cx="1436355" cy="369332"/>
           </a:xfrm>
           <a:prstGeom prst="rect">
             <a:avLst/>
@@ -11173,9 +11101,13 @@
           <a:p>
             <a:r>
               <a:rPr lang="fr-FR" dirty="0" smtClean="0"/>
-              <a:t>RESULTATS</a:t>
-            </a:r>
-            <a:endParaRPr lang="fr-FR" dirty="0"/>
+              <a:t>RESULTATS </a:t>
+            </a:r>
+            <a:r>
+              <a:rPr lang="fr-FR" b="1" dirty="0" smtClean="0"/>
+              <a:t>↗</a:t>
+            </a:r>
+            <a:endParaRPr lang="fr-FR" b="1" dirty="0"/>
           </a:p>
         </p:txBody>
       </p:sp>
@@ -11187,8 +11119,8 @@
         </p:nvSpPr>
         <p:spPr>
           <a:xfrm>
-            <a:off x="8603451" y="3271133"/>
-            <a:ext cx="1682833" cy="369332"/>
+            <a:off x="8199004" y="3271133"/>
+            <a:ext cx="1939313" cy="369332"/>
           </a:xfrm>
           <a:prstGeom prst="rect">
             <a:avLst/>
@@ -11203,15 +11135,23 @@
           <a:p>
             <a:r>
               <a:rPr lang="fr-FR" dirty="0" smtClean="0"/>
-              <a:t>COÛTS RISQUES</a:t>
-            </a:r>
-            <a:endParaRPr lang="fr-FR" dirty="0"/>
+              <a:t>COÛTS-</a:t>
+            </a:r>
+            <a:r>
+              <a:rPr lang="fr-FR" dirty="0" smtClean="0"/>
+              <a:t>RISQUES </a:t>
+            </a:r>
+            <a:r>
+              <a:rPr lang="fr-FR" b="1" dirty="0" smtClean="0"/>
+              <a:t>↘</a:t>
+            </a:r>
+            <a:endParaRPr lang="fr-FR" b="1" dirty="0"/>
           </a:p>
         </p:txBody>
       </p:sp>
       <p:sp>
         <p:nvSpPr>
-          <p:cNvPr id="25" name="Ellipse 24"/>
+          <p:cNvPr id="31" name="Ellipse 30"/>
           <p:cNvSpPr>
             <a:spLocks noChangeAspect="1"/>
           </p:cNvSpPr>
@@ -11219,14 +11159,14 @@
         </p:nvSpPr>
         <p:spPr>
           <a:xfrm>
-            <a:off x="6777389" y="4091058"/>
+            <a:off x="6777389" y="5146414"/>
             <a:ext cx="1800000" cy="1417714"/>
           </a:xfrm>
           <a:prstGeom prst="ellipse">
             <a:avLst/>
           </a:prstGeom>
           <a:solidFill>
-            <a:srgbClr val="FF99CC"/>
+            <a:schemeClr val="bg1"/>
           </a:solidFill>
           <a:ln>
             <a:solidFill>
@@ -11261,14 +11201,14 @@
       </p:sp>
       <p:sp>
         <p:nvSpPr>
-          <p:cNvPr id="26" name="ZoneTexte 25"/>
+          <p:cNvPr id="32" name="ZoneTexte 31"/>
           <p:cNvSpPr txBox="1"/>
           <p:nvPr/>
         </p:nvSpPr>
         <p:spPr>
           <a:xfrm>
-            <a:off x="6917336" y="4476749"/>
-            <a:ext cx="1520107" cy="646331"/>
+            <a:off x="6847362" y="5532105"/>
+            <a:ext cx="1660054" cy="646331"/>
           </a:xfrm>
           <a:prstGeom prst="rect">
             <a:avLst/>
@@ -11290,11 +11230,21 @@
                   </a:schemeClr>
                 </a:solidFill>
               </a:rPr>
-              <a:t>Organisations</a:t>
+              <a:t>Partenaires</a:t>
             </a:r>
           </a:p>
           <a:p>
             <a:pPr algn="ctr"/>
+            <a:r>
+              <a:rPr lang="fr-FR" b="1" dirty="0">
+                <a:solidFill>
+                  <a:schemeClr val="bg2">
+                    <a:lumMod val="25000"/>
+                  </a:schemeClr>
+                </a:solidFill>
+              </a:rPr>
+              <a:t>e</a:t>
+            </a:r>
             <a:r>
               <a:rPr lang="fr-FR" b="1" dirty="0" smtClean="0">
                 <a:solidFill>
@@ -11303,7 +11253,7 @@
                   </a:schemeClr>
                 </a:solidFill>
               </a:rPr>
-              <a:t>Et Personnes</a:t>
+              <a:t>t Fournisseurs</a:t>
             </a:r>
             <a:endParaRPr lang="fr-FR" b="1" dirty="0">
               <a:solidFill>
@@ -11317,7 +11267,7 @@
       </p:sp>
       <p:sp>
         <p:nvSpPr>
-          <p:cNvPr id="31" name="Ellipse 30"/>
+          <p:cNvPr id="33" name="Ellipse 32"/>
           <p:cNvSpPr>
             <a:spLocks noChangeAspect="1"/>
           </p:cNvSpPr>
@@ -11325,7 +11275,7 @@
         </p:nvSpPr>
         <p:spPr>
           <a:xfrm>
-            <a:off x="6777389" y="5146414"/>
+            <a:off x="8577389" y="5146414"/>
             <a:ext cx="1800000" cy="1417714"/>
           </a:xfrm>
           <a:prstGeom prst="ellipse">
@@ -11367,14 +11317,14 @@
       </p:sp>
       <p:sp>
         <p:nvSpPr>
-          <p:cNvPr id="32" name="ZoneTexte 31"/>
+          <p:cNvPr id="34" name="ZoneTexte 33"/>
           <p:cNvSpPr txBox="1"/>
           <p:nvPr/>
         </p:nvSpPr>
         <p:spPr>
           <a:xfrm>
-            <a:off x="6847362" y="5532105"/>
-            <a:ext cx="1660054" cy="646331"/>
+            <a:off x="8671036" y="5532105"/>
+            <a:ext cx="1660053" cy="646331"/>
           </a:xfrm>
           <a:prstGeom prst="rect">
             <a:avLst/>
@@ -11396,30 +11346,7 @@
                   </a:schemeClr>
                 </a:solidFill>
               </a:rPr>
-              <a:t>Partenaires</a:t>
-            </a:r>
-          </a:p>
-          <a:p>
-            <a:pPr algn="ctr"/>
-            <a:r>
-              <a:rPr lang="fr-FR" b="1" dirty="0">
-                <a:solidFill>
-                  <a:schemeClr val="bg2">
-                    <a:lumMod val="25000"/>
-                  </a:schemeClr>
-                </a:solidFill>
-              </a:rPr>
-              <a:t>e</a:t>
-            </a:r>
-            <a:r>
-              <a:rPr lang="fr-FR" b="1" dirty="0" smtClean="0">
-                <a:solidFill>
-                  <a:schemeClr val="bg2">
-                    <a:lumMod val="25000"/>
-                  </a:schemeClr>
-                </a:solidFill>
-              </a:rPr>
-              <a:t>t Fournisseurs</a:t>
+              <a:t>Processus et Flux de valeur</a:t>
             </a:r>
             <a:endParaRPr lang="fr-FR" b="1" dirty="0">
               <a:solidFill>
@@ -11431,9 +11358,121 @@
           </a:p>
         </p:txBody>
       </p:sp>
+      <p:cxnSp>
+        <p:nvCxnSpPr>
+          <p:cNvPr id="35" name="Connecteur droit avec flèche 34"/>
+          <p:cNvCxnSpPr/>
+          <p:nvPr/>
+        </p:nvCxnSpPr>
+        <p:spPr>
+          <a:xfrm>
+            <a:off x="5986697" y="5381450"/>
+            <a:ext cx="473781" cy="0"/>
+          </a:xfrm>
+          <a:prstGeom prst="straightConnector1">
+            <a:avLst/>
+          </a:prstGeom>
+          <a:ln w="60325">
+            <a:solidFill>
+              <a:srgbClr val="F70F6C"/>
+            </a:solidFill>
+            <a:prstDash val="sysDot"/>
+            <a:tailEnd type="triangle"/>
+          </a:ln>
+        </p:spPr>
+        <p:style>
+          <a:lnRef idx="1">
+            <a:schemeClr val="accent1"/>
+          </a:lnRef>
+          <a:fillRef idx="0">
+            <a:schemeClr val="accent1"/>
+          </a:fillRef>
+          <a:effectRef idx="0">
+            <a:schemeClr val="accent1"/>
+          </a:effectRef>
+          <a:fontRef idx="minor">
+            <a:schemeClr val="tx1"/>
+          </a:fontRef>
+        </p:style>
+      </p:cxnSp>
+      <p:cxnSp>
+        <p:nvCxnSpPr>
+          <p:cNvPr id="37" name="Connecteur droit avec flèche 36"/>
+          <p:cNvCxnSpPr/>
+          <p:nvPr/>
+        </p:nvCxnSpPr>
+        <p:spPr>
+          <a:xfrm>
+            <a:off x="5984087" y="4201610"/>
+            <a:ext cx="14185" cy="1191415"/>
+          </a:xfrm>
+          <a:prstGeom prst="straightConnector1">
+            <a:avLst/>
+          </a:prstGeom>
+          <a:ln w="60325">
+            <a:solidFill>
+              <a:srgbClr val="F70F6C"/>
+            </a:solidFill>
+            <a:prstDash val="sysDot"/>
+            <a:tailEnd type="none"/>
+          </a:ln>
+        </p:spPr>
+        <p:style>
+          <a:lnRef idx="1">
+            <a:schemeClr val="accent1"/>
+          </a:lnRef>
+          <a:fillRef idx="0">
+            <a:schemeClr val="accent1"/>
+          </a:fillRef>
+          <a:effectRef idx="0">
+            <a:schemeClr val="accent1"/>
+          </a:effectRef>
+          <a:fontRef idx="minor">
+            <a:schemeClr val="tx1"/>
+          </a:fontRef>
+        </p:style>
+      </p:cxnSp>
       <p:sp>
         <p:nvSpPr>
-          <p:cNvPr id="33" name="Ellipse 32"/>
+          <p:cNvPr id="43" name="ZoneTexte 42"/>
+          <p:cNvSpPr txBox="1"/>
+          <p:nvPr/>
+        </p:nvSpPr>
+        <p:spPr>
+          <a:xfrm>
+            <a:off x="4946791" y="5608341"/>
+            <a:ext cx="1614545" cy="369332"/>
+          </a:xfrm>
+          <a:prstGeom prst="rect">
+            <a:avLst/>
+          </a:prstGeom>
+          <a:noFill/>
+        </p:spPr>
+        <p:txBody>
+          <a:bodyPr wrap="none" rtlCol="0">
+            <a:spAutoFit/>
+          </a:bodyPr>
+          <a:lstStyle/>
+          <a:p>
+            <a:r>
+              <a:rPr lang="fr-FR" b="1" dirty="0" smtClean="0">
+                <a:solidFill>
+                  <a:srgbClr val="F70F6C"/>
+                </a:solidFill>
+              </a:rPr>
+              <a:t>4 DIMENSIONS</a:t>
+            </a:r>
+            <a:endParaRPr lang="fr-FR" b="1" dirty="0">
+              <a:solidFill>
+                <a:srgbClr val="F70F6C"/>
+              </a:solidFill>
+            </a:endParaRPr>
+          </a:p>
+        </p:txBody>
+      </p:sp>
+      <p:sp>
+        <p:nvSpPr>
+          <p:cNvPr id="29" name="Ellipse 28"/>
           <p:cNvSpPr>
             <a:spLocks noChangeAspect="1"/>
           </p:cNvSpPr>
@@ -11441,14 +11480,14 @@
         </p:nvSpPr>
         <p:spPr>
           <a:xfrm>
-            <a:off x="8577389" y="5146414"/>
+            <a:off x="8577389" y="4091058"/>
             <a:ext cx="1800000" cy="1417714"/>
           </a:xfrm>
           <a:prstGeom prst="ellipse">
             <a:avLst/>
           </a:prstGeom>
           <a:solidFill>
-            <a:schemeClr val="bg1"/>
+            <a:srgbClr val="F3F3F3"/>
           </a:solidFill>
           <a:ln>
             <a:solidFill>
@@ -11483,13 +11522,13 @@
       </p:sp>
       <p:sp>
         <p:nvSpPr>
-          <p:cNvPr id="34" name="ZoneTexte 33"/>
+          <p:cNvPr id="30" name="ZoneTexte 29"/>
           <p:cNvSpPr txBox="1"/>
           <p:nvPr/>
         </p:nvSpPr>
         <p:spPr>
           <a:xfrm>
-            <a:off x="8671036" y="5532105"/>
+            <a:off x="8671036" y="4476749"/>
             <a:ext cx="1660053" cy="646331"/>
           </a:xfrm>
           <a:prstGeom prst="rect">
@@ -11512,7 +11551,7 @@
                   </a:schemeClr>
                 </a:solidFill>
               </a:rPr>
-              <a:t>Processus et Flux de valeur</a:t>
+              <a:t>Technologie de l’Information</a:t>
             </a:r>
             <a:endParaRPr lang="fr-FR" b="1" dirty="0">
               <a:solidFill>
@@ -11524,121 +11563,9 @@
           </a:p>
         </p:txBody>
       </p:sp>
-      <p:cxnSp>
-        <p:nvCxnSpPr>
-          <p:cNvPr id="35" name="Connecteur droit avec flèche 34"/>
-          <p:cNvCxnSpPr/>
-          <p:nvPr/>
-        </p:nvCxnSpPr>
-        <p:spPr>
-          <a:xfrm>
-            <a:off x="5986697" y="5381450"/>
-            <a:ext cx="473781" cy="0"/>
-          </a:xfrm>
-          <a:prstGeom prst="straightConnector1">
-            <a:avLst/>
-          </a:prstGeom>
-          <a:ln w="60325">
-            <a:solidFill>
-              <a:srgbClr val="F70F6C"/>
-            </a:solidFill>
-            <a:prstDash val="sysDot"/>
-            <a:tailEnd type="triangle"/>
-          </a:ln>
-        </p:spPr>
-        <p:style>
-          <a:lnRef idx="1">
-            <a:schemeClr val="accent1"/>
-          </a:lnRef>
-          <a:fillRef idx="0">
-            <a:schemeClr val="accent1"/>
-          </a:fillRef>
-          <a:effectRef idx="0">
-            <a:schemeClr val="accent1"/>
-          </a:effectRef>
-          <a:fontRef idx="minor">
-            <a:schemeClr val="tx1"/>
-          </a:fontRef>
-        </p:style>
-      </p:cxnSp>
-      <p:cxnSp>
-        <p:nvCxnSpPr>
-          <p:cNvPr id="37" name="Connecteur droit avec flèche 36"/>
-          <p:cNvCxnSpPr/>
-          <p:nvPr/>
-        </p:nvCxnSpPr>
-        <p:spPr>
-          <a:xfrm>
-            <a:off x="5984087" y="4201610"/>
-            <a:ext cx="14185" cy="1191415"/>
-          </a:xfrm>
-          <a:prstGeom prst="straightConnector1">
-            <a:avLst/>
-          </a:prstGeom>
-          <a:ln w="60325">
-            <a:solidFill>
-              <a:srgbClr val="F70F6C"/>
-            </a:solidFill>
-            <a:prstDash val="sysDot"/>
-            <a:tailEnd type="none"/>
-          </a:ln>
-        </p:spPr>
-        <p:style>
-          <a:lnRef idx="1">
-            <a:schemeClr val="accent1"/>
-          </a:lnRef>
-          <a:fillRef idx="0">
-            <a:schemeClr val="accent1"/>
-          </a:fillRef>
-          <a:effectRef idx="0">
-            <a:schemeClr val="accent1"/>
-          </a:effectRef>
-          <a:fontRef idx="minor">
-            <a:schemeClr val="tx1"/>
-          </a:fontRef>
-        </p:style>
-      </p:cxnSp>
       <p:sp>
         <p:nvSpPr>
-          <p:cNvPr id="43" name="ZoneTexte 42"/>
-          <p:cNvSpPr txBox="1"/>
-          <p:nvPr/>
-        </p:nvSpPr>
-        <p:spPr>
-          <a:xfrm>
-            <a:off x="4946791" y="5608341"/>
-            <a:ext cx="1614545" cy="369332"/>
-          </a:xfrm>
-          <a:prstGeom prst="rect">
-            <a:avLst/>
-          </a:prstGeom>
-          <a:noFill/>
-        </p:spPr>
-        <p:txBody>
-          <a:bodyPr wrap="none" rtlCol="0">
-            <a:spAutoFit/>
-          </a:bodyPr>
-          <a:lstStyle/>
-          <a:p>
-            <a:r>
-              <a:rPr lang="fr-FR" b="1" dirty="0" smtClean="0">
-                <a:solidFill>
-                  <a:srgbClr val="F70F6C"/>
-                </a:solidFill>
-              </a:rPr>
-              <a:t>4 DIMENSIONS</a:t>
-            </a:r>
-            <a:endParaRPr lang="fr-FR" b="1" dirty="0">
-              <a:solidFill>
-                <a:srgbClr val="F70F6C"/>
-              </a:solidFill>
-            </a:endParaRPr>
-          </a:p>
-        </p:txBody>
-      </p:sp>
-      <p:sp>
-        <p:nvSpPr>
-          <p:cNvPr id="29" name="Ellipse 28"/>
+          <p:cNvPr id="25" name="Ellipse 24"/>
           <p:cNvSpPr>
             <a:spLocks noChangeAspect="1"/>
           </p:cNvSpPr>
@@ -11646,7 +11573,7 @@
         </p:nvSpPr>
         <p:spPr>
           <a:xfrm>
-            <a:off x="8577389" y="4091058"/>
+            <a:off x="6777389" y="4091058"/>
             <a:ext cx="1800000" cy="1417714"/>
           </a:xfrm>
           <a:prstGeom prst="ellipse">
@@ -11688,14 +11615,14 @@
       </p:sp>
       <p:sp>
         <p:nvSpPr>
-          <p:cNvPr id="30" name="ZoneTexte 29"/>
+          <p:cNvPr id="26" name="ZoneTexte 25"/>
           <p:cNvSpPr txBox="1"/>
           <p:nvPr/>
         </p:nvSpPr>
         <p:spPr>
           <a:xfrm>
-            <a:off x="8671036" y="4476749"/>
-            <a:ext cx="1660053" cy="646331"/>
+            <a:off x="6917336" y="4476749"/>
+            <a:ext cx="1520107" cy="646331"/>
           </a:xfrm>
           <a:prstGeom prst="rect">
             <a:avLst/>
@@ -11717,7 +11644,20 @@
                   </a:schemeClr>
                 </a:solidFill>
               </a:rPr>
-              <a:t>Technologie de l’Information</a:t>
+              <a:t>Organisations</a:t>
+            </a:r>
+          </a:p>
+          <a:p>
+            <a:pPr algn="ctr"/>
+            <a:r>
+              <a:rPr lang="fr-FR" b="1" dirty="0" smtClean="0">
+                <a:solidFill>
+                  <a:schemeClr val="bg2">
+                    <a:lumMod val="25000"/>
+                  </a:schemeClr>
+                </a:solidFill>
+              </a:rPr>
+              <a:t>Et Personnes</a:t>
             </a:r>
             <a:endParaRPr lang="fr-FR" b="1" dirty="0">
               <a:solidFill>
@@ -11786,39 +11726,21 @@
                                   </p:childTnLst>
                                 </p:cTn>
                               </p:par>
-                            </p:childTnLst>
-                          </p:cTn>
-                        </p:par>
-                      </p:childTnLst>
-                    </p:cTn>
-                  </p:par>
-                  <p:par>
-                    <p:cTn id="7" fill="hold">
-                      <p:stCondLst>
-                        <p:cond delay="indefinite"/>
-                      </p:stCondLst>
-                      <p:childTnLst>
-                        <p:par>
-                          <p:cTn id="8" fill="hold">
-                            <p:stCondLst>
-                              <p:cond delay="0"/>
-                            </p:stCondLst>
-                            <p:childTnLst>
                               <p:par>
-                                <p:cTn id="9" presetID="1" presetClass="entr" presetSubtype="0" fill="hold" nodeType="clickEffect">
+                                <p:cTn id="7" presetID="1" presetClass="entr" presetSubtype="0" fill="hold" grpId="0" nodeType="withEffect">
                                   <p:stCondLst>
                                     <p:cond delay="0"/>
                                   </p:stCondLst>
                                   <p:childTnLst>
                                     <p:set>
                                       <p:cBhvr>
-                                        <p:cTn id="10" dur="1" fill="hold">
+                                        <p:cTn id="8" dur="1" fill="hold">
                                           <p:stCondLst>
                                             <p:cond delay="0"/>
                                           </p:stCondLst>
                                         </p:cTn>
                                         <p:tgtEl>
-                                          <p:spTgt spid="13"/>
+                                          <p:spTgt spid="20"/>
                                         </p:tgtEl>
                                         <p:attrNameLst>
                                           <p:attrName>style.visibility</p:attrName>
@@ -11832,20 +11754,20 @@
                                 </p:cTn>
                               </p:par>
                               <p:par>
-                                <p:cTn id="11" presetID="1" presetClass="entr" presetSubtype="0" fill="hold" nodeType="withEffect">
+                                <p:cTn id="9" presetID="1" presetClass="entr" presetSubtype="0" fill="hold" grpId="0" nodeType="withEffect">
                                   <p:stCondLst>
                                     <p:cond delay="0"/>
                                   </p:stCondLst>
                                   <p:childTnLst>
                                     <p:set>
                                       <p:cBhvr>
-                                        <p:cTn id="12" dur="1" fill="hold">
+                                        <p:cTn id="10" dur="1" fill="hold">
                                           <p:stCondLst>
                                             <p:cond delay="0"/>
                                           </p:stCondLst>
                                         </p:cTn>
                                         <p:tgtEl>
-                                          <p:spTgt spid="19"/>
+                                          <p:spTgt spid="21"/>
                                         </p:tgtEl>
                                         <p:attrNameLst>
                                           <p:attrName>style.visibility</p:attrName>
@@ -11858,8 +11780,26 @@
                                   </p:childTnLst>
                                 </p:cTn>
                               </p:par>
+                            </p:childTnLst>
+                          </p:cTn>
+                        </p:par>
+                      </p:childTnLst>
+                    </p:cTn>
+                  </p:par>
+                  <p:par>
+                    <p:cTn id="11" fill="hold">
+                      <p:stCondLst>
+                        <p:cond delay="indefinite"/>
+                      </p:stCondLst>
+                      <p:childTnLst>
+                        <p:par>
+                          <p:cTn id="12" fill="hold">
+                            <p:stCondLst>
+                              <p:cond delay="0"/>
+                            </p:stCondLst>
+                            <p:childTnLst>
                               <p:par>
-                                <p:cTn id="13" presetID="1" presetClass="entr" presetSubtype="0" fill="hold" grpId="0" nodeType="withEffect">
+                                <p:cTn id="13" presetID="1" presetClass="entr" presetSubtype="0" fill="hold" grpId="0" nodeType="clickEffect">
                                   <p:stCondLst>
                                     <p:cond delay="0"/>
                                   </p:stCondLst>
@@ -11872,7 +11812,7 @@
                                           </p:stCondLst>
                                         </p:cTn>
                                         <p:tgtEl>
-                                          <p:spTgt spid="20"/>
+                                          <p:spTgt spid="25"/>
                                         </p:tgtEl>
                                         <p:attrNameLst>
                                           <p:attrName>style.visibility</p:attrName>
@@ -11899,7 +11839,7 @@
                                           </p:stCondLst>
                                         </p:cTn>
                                         <p:tgtEl>
-                                          <p:spTgt spid="21"/>
+                                          <p:spTgt spid="26"/>
                                         </p:tgtEl>
                                         <p:attrNameLst>
                                           <p:attrName>style.visibility</p:attrName>
@@ -11912,26 +11852,35 @@
                                   </p:childTnLst>
                                 </p:cTn>
                               </p:par>
-                            </p:childTnLst>
-                          </p:cTn>
-                        </p:par>
-                      </p:childTnLst>
-                    </p:cTn>
-                  </p:par>
-                  <p:par>
-                    <p:cTn id="17" fill="hold">
-                      <p:stCondLst>
-                        <p:cond delay="indefinite"/>
-                      </p:stCondLst>
-                      <p:childTnLst>
-                        <p:par>
-                          <p:cTn id="18" fill="hold">
-                            <p:stCondLst>
-                              <p:cond delay="0"/>
-                            </p:stCondLst>
-                            <p:childTnLst>
                               <p:par>
-                                <p:cTn id="19" presetID="1" presetClass="entr" presetSubtype="0" fill="hold" grpId="0" nodeType="clickEffect">
+                                <p:cTn id="17" presetID="1" presetClass="entr" presetSubtype="0" fill="hold" grpId="0" nodeType="withEffect">
+                                  <p:stCondLst>
+                                    <p:cond delay="0"/>
+                                  </p:stCondLst>
+                                  <p:childTnLst>
+                                    <p:set>
+                                      <p:cBhvr>
+                                        <p:cTn id="18" dur="1" fill="hold">
+                                          <p:stCondLst>
+                                            <p:cond delay="0"/>
+                                          </p:stCondLst>
+                                        </p:cTn>
+                                        <p:tgtEl>
+                                          <p:spTgt spid="31"/>
+                                        </p:tgtEl>
+                                        <p:attrNameLst>
+                                          <p:attrName>style.visibility</p:attrName>
+                                        </p:attrNameLst>
+                                      </p:cBhvr>
+                                      <p:to>
+                                        <p:strVal val="visible"/>
+                                      </p:to>
+                                    </p:set>
+                                  </p:childTnLst>
+                                </p:cTn>
+                              </p:par>
+                              <p:par>
+                                <p:cTn id="19" presetID="1" presetClass="entr" presetSubtype="0" fill="hold" grpId="0" nodeType="withEffect">
                                   <p:stCondLst>
                                     <p:cond delay="0"/>
                                   </p:stCondLst>
@@ -11944,7 +11893,7 @@
                                           </p:stCondLst>
                                         </p:cTn>
                                         <p:tgtEl>
-                                          <p:spTgt spid="25"/>
+                                          <p:spTgt spid="32"/>
                                         </p:tgtEl>
                                         <p:attrNameLst>
                                           <p:attrName>style.visibility</p:attrName>
@@ -11971,7 +11920,7 @@
                                           </p:stCondLst>
                                         </p:cTn>
                                         <p:tgtEl>
-                                          <p:spTgt spid="26"/>
+                                          <p:spTgt spid="33"/>
                                         </p:tgtEl>
                                         <p:attrNameLst>
                                           <p:attrName>style.visibility</p:attrName>
@@ -11998,7 +11947,7 @@
                                           </p:stCondLst>
                                         </p:cTn>
                                         <p:tgtEl>
-                                          <p:spTgt spid="31"/>
+                                          <p:spTgt spid="34"/>
                                         </p:tgtEl>
                                         <p:attrNameLst>
                                           <p:attrName>style.visibility</p:attrName>
@@ -12012,7 +11961,7 @@
                                 </p:cTn>
                               </p:par>
                               <p:par>
-                                <p:cTn id="25" presetID="1" presetClass="entr" presetSubtype="0" fill="hold" grpId="0" nodeType="withEffect">
+                                <p:cTn id="25" presetID="1" presetClass="entr" presetSubtype="0" fill="hold" nodeType="withEffect">
                                   <p:stCondLst>
                                     <p:cond delay="0"/>
                                   </p:stCondLst>
@@ -12025,7 +11974,7 @@
                                           </p:stCondLst>
                                         </p:cTn>
                                         <p:tgtEl>
-                                          <p:spTgt spid="32"/>
+                                          <p:spTgt spid="35"/>
                                         </p:tgtEl>
                                         <p:attrNameLst>
                                           <p:attrName>style.visibility</p:attrName>
@@ -12039,7 +11988,7 @@
                                 </p:cTn>
                               </p:par>
                               <p:par>
-                                <p:cTn id="27" presetID="1" presetClass="entr" presetSubtype="0" fill="hold" grpId="0" nodeType="withEffect">
+                                <p:cTn id="27" presetID="1" presetClass="entr" presetSubtype="0" fill="hold" nodeType="withEffect">
                                   <p:stCondLst>
                                     <p:cond delay="0"/>
                                   </p:stCondLst>
@@ -12052,7 +12001,7 @@
                                           </p:stCondLst>
                                         </p:cTn>
                                         <p:tgtEl>
-                                          <p:spTgt spid="33"/>
+                                          <p:spTgt spid="37"/>
                                         </p:tgtEl>
                                         <p:attrNameLst>
                                           <p:attrName>style.visibility</p:attrName>
@@ -12079,87 +12028,6 @@
                                           </p:stCondLst>
                                         </p:cTn>
                                         <p:tgtEl>
-                                          <p:spTgt spid="34"/>
-                                        </p:tgtEl>
-                                        <p:attrNameLst>
-                                          <p:attrName>style.visibility</p:attrName>
-                                        </p:attrNameLst>
-                                      </p:cBhvr>
-                                      <p:to>
-                                        <p:strVal val="visible"/>
-                                      </p:to>
-                                    </p:set>
-                                  </p:childTnLst>
-                                </p:cTn>
-                              </p:par>
-                              <p:par>
-                                <p:cTn id="31" presetID="1" presetClass="entr" presetSubtype="0" fill="hold" nodeType="withEffect">
-                                  <p:stCondLst>
-                                    <p:cond delay="0"/>
-                                  </p:stCondLst>
-                                  <p:childTnLst>
-                                    <p:set>
-                                      <p:cBhvr>
-                                        <p:cTn id="32" dur="1" fill="hold">
-                                          <p:stCondLst>
-                                            <p:cond delay="0"/>
-                                          </p:stCondLst>
-                                        </p:cTn>
-                                        <p:tgtEl>
-                                          <p:spTgt spid="35"/>
-                                        </p:tgtEl>
-                                        <p:attrNameLst>
-                                          <p:attrName>style.visibility</p:attrName>
-                                        </p:attrNameLst>
-                                      </p:cBhvr>
-                                      <p:to>
-                                        <p:strVal val="visible"/>
-                                      </p:to>
-                                    </p:set>
-                                  </p:childTnLst>
-                                </p:cTn>
-                              </p:par>
-                              <p:par>
-                                <p:cTn id="33" presetID="1" presetClass="entr" presetSubtype="0" fill="hold" nodeType="withEffect">
-                                  <p:stCondLst>
-                                    <p:cond delay="0"/>
-                                  </p:stCondLst>
-                                  <p:childTnLst>
-                                    <p:set>
-                                      <p:cBhvr>
-                                        <p:cTn id="34" dur="1" fill="hold">
-                                          <p:stCondLst>
-                                            <p:cond delay="0"/>
-                                          </p:stCondLst>
-                                        </p:cTn>
-                                        <p:tgtEl>
-                                          <p:spTgt spid="37"/>
-                                        </p:tgtEl>
-                                        <p:attrNameLst>
-                                          <p:attrName>style.visibility</p:attrName>
-                                        </p:attrNameLst>
-                                      </p:cBhvr>
-                                      <p:to>
-                                        <p:strVal val="visible"/>
-                                      </p:to>
-                                    </p:set>
-                                  </p:childTnLst>
-                                </p:cTn>
-                              </p:par>
-                              <p:par>
-                                <p:cTn id="35" presetID="1" presetClass="entr" presetSubtype="0" fill="hold" grpId="0" nodeType="withEffect">
-                                  <p:stCondLst>
-                                    <p:cond delay="0"/>
-                                  </p:stCondLst>
-                                  <p:childTnLst>
-                                    <p:set>
-                                      <p:cBhvr>
-                                        <p:cTn id="36" dur="1" fill="hold">
-                                          <p:stCondLst>
-                                            <p:cond delay="0"/>
-                                          </p:stCondLst>
-                                        </p:cTn>
-                                        <p:tgtEl>
                                           <p:spTgt spid="43"/>
                                         </p:tgtEl>
                                         <p:attrNameLst>
@@ -12174,14 +12042,14 @@
                                 </p:cTn>
                               </p:par>
                               <p:par>
-                                <p:cTn id="37" presetID="1" presetClass="entr" presetSubtype="0" fill="hold" grpId="0" nodeType="withEffect">
+                                <p:cTn id="31" presetID="1" presetClass="entr" presetSubtype="0" fill="hold" grpId="0" nodeType="withEffect">
                                   <p:stCondLst>
                                     <p:cond delay="0"/>
                                   </p:stCondLst>
                                   <p:childTnLst>
                                     <p:set>
                                       <p:cBhvr>
-                                        <p:cTn id="38" dur="1" fill="hold">
+                                        <p:cTn id="32" dur="1" fill="hold">
                                           <p:stCondLst>
                                             <p:cond delay="0"/>
                                           </p:stCondLst>
@@ -12201,14 +12069,14 @@
                                 </p:cTn>
                               </p:par>
                               <p:par>
-                                <p:cTn id="39" presetID="1" presetClass="entr" presetSubtype="0" fill="hold" grpId="0" nodeType="withEffect">
+                                <p:cTn id="33" presetID="1" presetClass="entr" presetSubtype="0" fill="hold" grpId="0" nodeType="withEffect">
                                   <p:stCondLst>
                                     <p:cond delay="0"/>
                                   </p:stCondLst>
                                   <p:childTnLst>
                                     <p:set>
                                       <p:cBhvr>
-                                        <p:cTn id="40" dur="1" fill="hold">
+                                        <p:cTn id="34" dur="1" fill="hold">
                                           <p:stCondLst>
                                             <p:cond delay="0"/>
                                           </p:stCondLst>
@@ -12258,8 +12126,6 @@
       <p:bldP spid="5" grpId="0" animBg="1"/>
       <p:bldP spid="20" grpId="0"/>
       <p:bldP spid="21" grpId="0"/>
-      <p:bldP spid="25" grpId="0" animBg="1"/>
-      <p:bldP spid="26" grpId="0"/>
       <p:bldP spid="31" grpId="0" animBg="1"/>
       <p:bldP spid="32" grpId="0"/>
       <p:bldP spid="33" grpId="0" animBg="1"/>
@@ -12267,6 +12133,8 @@
       <p:bldP spid="43" grpId="0"/>
       <p:bldP spid="29" grpId="0" animBg="1"/>
       <p:bldP spid="30" grpId="0"/>
+      <p:bldP spid="25" grpId="0" animBg="1"/>
+      <p:bldP spid="26" grpId="0"/>
     </p:bldLst>
   </p:timing>
 </p:sld>
@@ -14557,6 +14425,9 @@
                     <p:cTn id="3" fill="hold">
                       <p:stCondLst>
                         <p:cond delay="indefinite"/>
+                        <p:cond evt="onBegin" delay="0">
+                          <p:tn val="2"/>
+                        </p:cond>
                       </p:stCondLst>
                       <p:childTnLst>
                         <p:par>
@@ -14566,7 +14437,7 @@
                             </p:stCondLst>
                             <p:childTnLst>
                               <p:par>
-                                <p:cTn id="5" presetID="1" presetClass="entr" presetSubtype="0" fill="hold" nodeType="clickEffect">
+                                <p:cTn id="5" presetID="1" presetClass="entr" presetSubtype="0" fill="hold" grpId="0" nodeType="withEffect">
                                   <p:stCondLst>
                                     <p:cond delay="0"/>
                                   </p:stCondLst>
@@ -14579,7 +14450,7 @@
                                           </p:stCondLst>
                                         </p:cTn>
                                         <p:tgtEl>
-                                          <p:spTgt spid="42"/>
+                                          <p:spTgt spid="5"/>
                                         </p:tgtEl>
                                         <p:attrNameLst>
                                           <p:attrName>style.visibility</p:attrName>
@@ -14606,7 +14477,7 @@
                                           </p:stCondLst>
                                         </p:cTn>
                                         <p:tgtEl>
-                                          <p:spTgt spid="5"/>
+                                          <p:spTgt spid="22"/>
                                         </p:tgtEl>
                                         <p:attrNameLst>
                                           <p:attrName>style.visibility</p:attrName>
@@ -14633,7 +14504,7 @@
                                           </p:stCondLst>
                                         </p:cTn>
                                         <p:tgtEl>
-                                          <p:spTgt spid="22"/>
+                                          <p:spTgt spid="23"/>
                                         </p:tgtEl>
                                         <p:attrNameLst>
                                           <p:attrName>style.visibility</p:attrName>
@@ -14660,7 +14531,7 @@
                                           </p:stCondLst>
                                         </p:cTn>
                                         <p:tgtEl>
-                                          <p:spTgt spid="23"/>
+                                          <p:spTgt spid="29"/>
                                         </p:tgtEl>
                                         <p:attrNameLst>
                                           <p:attrName>style.visibility</p:attrName>
@@ -14687,7 +14558,7 @@
                                           </p:stCondLst>
                                         </p:cTn>
                                         <p:tgtEl>
-                                          <p:spTgt spid="29"/>
+                                          <p:spTgt spid="28"/>
                                         </p:tgtEl>
                                         <p:attrNameLst>
                                           <p:attrName>style.visibility</p:attrName>
@@ -14709,33 +14580,6 @@
                                     <p:set>
                                       <p:cBhvr>
                                         <p:cTn id="16" dur="1" fill="hold">
-                                          <p:stCondLst>
-                                            <p:cond delay="0"/>
-                                          </p:stCondLst>
-                                        </p:cTn>
-                                        <p:tgtEl>
-                                          <p:spTgt spid="28"/>
-                                        </p:tgtEl>
-                                        <p:attrNameLst>
-                                          <p:attrName>style.visibility</p:attrName>
-                                        </p:attrNameLst>
-                                      </p:cBhvr>
-                                      <p:to>
-                                        <p:strVal val="visible"/>
-                                      </p:to>
-                                    </p:set>
-                                  </p:childTnLst>
-                                </p:cTn>
-                              </p:par>
-                              <p:par>
-                                <p:cTn id="17" presetID="1" presetClass="entr" presetSubtype="0" fill="hold" grpId="0" nodeType="withEffect">
-                                  <p:stCondLst>
-                                    <p:cond delay="0"/>
-                                  </p:stCondLst>
-                                  <p:childTnLst>
-                                    <p:set>
-                                      <p:cBhvr>
-                                        <p:cTn id="18" dur="1" fill="hold">
                                           <p:stCondLst>
                                             <p:cond delay="0"/>
                                           </p:stCondLst>
@@ -18552,32 +18396,14 @@
           <a:lstStyle/>
           <a:p>
             <a:r>
-              <a:rPr lang="fr-FR" sz="2800" b="1" u="sng" dirty="0" smtClean="0">
-                <a:solidFill>
-                  <a:schemeClr val="accent6">
-                    <a:lumMod val="75000"/>
-                  </a:schemeClr>
-                </a:solidFill>
-              </a:rPr>
+              <a:rPr lang="fr-FR" sz="2800" b="1" u="sng" dirty="0" smtClean="0"/>
               <a:t>Pourquoi SCRUM</a:t>
             </a:r>
             <a:r>
-              <a:rPr lang="fr-FR" sz="2800" b="1" dirty="0" smtClean="0">
-                <a:solidFill>
-                  <a:schemeClr val="accent6">
-                    <a:lumMod val="75000"/>
-                  </a:schemeClr>
-                </a:solidFill>
-              </a:rPr>
+              <a:rPr lang="fr-FR" sz="2800" b="1" dirty="0" smtClean="0"/>
               <a:t> ?</a:t>
             </a:r>
-            <a:endParaRPr lang="fr-FR" sz="2800" b="1" dirty="0">
-              <a:solidFill>
-                <a:schemeClr val="accent6">
-                  <a:lumMod val="75000"/>
-                </a:schemeClr>
-              </a:solidFill>
-            </a:endParaRPr>
+            <a:endParaRPr lang="fr-FR" sz="2800" b="1" dirty="0"/>
           </a:p>
         </p:txBody>
       </p:sp>
@@ -23598,6 +23424,819 @@
           <a:bodyPr rtlCol="0" anchor="ctr"/>
           <a:lstStyle/>
           <a:p>
+            <a:pPr algn="ctr"/>
+            <a:endParaRPr lang="fr-FR"/>
+          </a:p>
+        </p:txBody>
+      </p:sp>
+      <p:pic>
+        <p:nvPicPr>
+          <p:cNvPr id="2" name="Image 1"/>
+          <p:cNvPicPr>
+            <a:picLocks noChangeAspect="1"/>
+          </p:cNvPicPr>
+          <p:nvPr/>
+        </p:nvPicPr>
+        <p:blipFill rotWithShape="1">
+          <a:blip r:embed="rId2">
+            <a:extLst>
+              <a:ext uri="{28A0092B-C50C-407E-A947-70E740481C1C}">
+                <a14:useLocalDpi xmlns:a14="http://schemas.microsoft.com/office/drawing/2010/main" val="0"/>
+              </a:ext>
+            </a:extLst>
+          </a:blip>
+          <a:srcRect t="17164" r="41807" b="44944"/>
+          <a:stretch/>
+        </p:blipFill>
+        <p:spPr>
+          <a:xfrm>
+            <a:off x="10431979" y="0"/>
+            <a:ext cx="1760021" cy="1146048"/>
+          </a:xfrm>
+          <a:prstGeom prst="rect">
+            <a:avLst/>
+          </a:prstGeom>
+        </p:spPr>
+      </p:pic>
+      <p:sp>
+        <p:nvSpPr>
+          <p:cNvPr id="8" name="Espace réservé du numéro de diapositive 7"/>
+          <p:cNvSpPr>
+            <a:spLocks noGrp="1"/>
+          </p:cNvSpPr>
+          <p:nvPr>
+            <p:ph type="sldNum" sz="quarter" idx="12"/>
+          </p:nvPr>
+        </p:nvSpPr>
+        <p:spPr>
+          <a:xfrm>
+            <a:off x="9314688" y="6492875"/>
+            <a:ext cx="2743200" cy="365125"/>
+          </a:xfrm>
+        </p:spPr>
+        <p:txBody>
+          <a:bodyPr/>
+          <a:lstStyle/>
+          <a:p>
+            <a:fld id="{8C41BEEE-35CD-4A8E-9570-6BC5F8AFE5DF}" type="slidenum">
+              <a:rPr lang="fr-FR" b="1" smtClean="0">
+                <a:solidFill>
+                  <a:schemeClr val="tx1"/>
+                </a:solidFill>
+              </a:rPr>
+              <a:t>21</a:t>
+            </a:fld>
+            <a:endParaRPr lang="fr-FR" b="1" dirty="0">
+              <a:solidFill>
+                <a:schemeClr val="tx1"/>
+              </a:solidFill>
+            </a:endParaRPr>
+          </a:p>
+        </p:txBody>
+      </p:sp>
+      <p:sp>
+        <p:nvSpPr>
+          <p:cNvPr id="9" name="ZoneTexte 8"/>
+          <p:cNvSpPr txBox="1"/>
+          <p:nvPr/>
+        </p:nvSpPr>
+        <p:spPr>
+          <a:xfrm>
+            <a:off x="2411906" y="219081"/>
+            <a:ext cx="6815328" cy="707886"/>
+          </a:xfrm>
+          <a:prstGeom prst="rect">
+            <a:avLst/>
+          </a:prstGeom>
+          <a:noFill/>
+        </p:spPr>
+        <p:txBody>
+          <a:bodyPr wrap="square" rtlCol="0">
+            <a:spAutoFit/>
+          </a:bodyPr>
+          <a:lstStyle/>
+          <a:p>
+            <a:pPr algn="ctr"/>
+            <a:r>
+              <a:rPr lang="fr-FR" sz="4000" b="1" dirty="0" smtClean="0"/>
+              <a:t>REMERCIEMENTS</a:t>
+            </a:r>
+            <a:endParaRPr lang="fr-FR" sz="4000" b="1" dirty="0"/>
+          </a:p>
+        </p:txBody>
+      </p:sp>
+      <p:sp>
+        <p:nvSpPr>
+          <p:cNvPr id="11" name="ZoneTexte 10"/>
+          <p:cNvSpPr txBox="1"/>
+          <p:nvPr/>
+        </p:nvSpPr>
+        <p:spPr>
+          <a:xfrm>
+            <a:off x="396123" y="1395609"/>
+            <a:ext cx="7796901" cy="2985433"/>
+          </a:xfrm>
+          <a:prstGeom prst="rect">
+            <a:avLst/>
+          </a:prstGeom>
+          <a:solidFill>
+            <a:schemeClr val="bg1"/>
+          </a:solidFill>
+          <a:ln>
+            <a:solidFill>
+              <a:schemeClr val="tx1"/>
+            </a:solidFill>
+          </a:ln>
+        </p:spPr>
+        <p:txBody>
+          <a:bodyPr wrap="square" rtlCol="0">
+            <a:spAutoFit/>
+          </a:bodyPr>
+          <a:lstStyle/>
+          <a:p>
+            <a:r>
+              <a:rPr lang="fr-FR" sz="2800" b="1" dirty="0" err="1" smtClean="0"/>
+              <a:t>Aelion-Aolys</a:t>
+            </a:r>
+            <a:r>
+              <a:rPr lang="fr-FR" sz="2800" b="1" dirty="0" smtClean="0"/>
+              <a:t> &amp; </a:t>
+            </a:r>
+            <a:r>
+              <a:rPr lang="fr-FR" sz="2800" b="1" dirty="0" err="1" smtClean="0"/>
+              <a:t>Strategia</a:t>
+            </a:r>
+            <a:r>
+              <a:rPr lang="fr-FR" sz="2800" b="1" dirty="0" smtClean="0"/>
+              <a:t> :</a:t>
+            </a:r>
+          </a:p>
+          <a:p>
+            <a:r>
+              <a:rPr lang="fr-FR" sz="2000" dirty="0" smtClean="0"/>
+              <a:t>Magali FARENC</a:t>
+            </a:r>
+          </a:p>
+          <a:p>
+            <a:r>
+              <a:rPr lang="fr-FR" sz="2000" dirty="0" smtClean="0"/>
+              <a:t>Sarah KILINC</a:t>
+            </a:r>
+          </a:p>
+          <a:p>
+            <a:r>
+              <a:rPr lang="fr-FR" sz="2000" dirty="0" smtClean="0"/>
+              <a:t>Stéphanie LAMOUROUX</a:t>
+            </a:r>
+          </a:p>
+          <a:p>
+            <a:r>
+              <a:rPr lang="fr-FR" sz="2000" dirty="0" smtClean="0"/>
+              <a:t>Tony MARCELLO</a:t>
+            </a:r>
+          </a:p>
+          <a:p>
+            <a:r>
+              <a:rPr lang="fr-FR" sz="2000" dirty="0" smtClean="0"/>
+              <a:t>Alice RIVIERE</a:t>
+            </a:r>
+          </a:p>
+          <a:p>
+            <a:r>
+              <a:rPr lang="fr-FR" sz="2000" dirty="0" smtClean="0"/>
+              <a:t>Xavier ROLLAND</a:t>
+            </a:r>
+          </a:p>
+          <a:p>
+            <a:r>
+              <a:rPr lang="fr-FR" sz="2000" dirty="0" smtClean="0"/>
+              <a:t>Mélanie SAULAY</a:t>
+            </a:r>
+          </a:p>
+          <a:p>
+            <a:r>
+              <a:rPr lang="fr-FR" sz="2000" dirty="0" smtClean="0"/>
+              <a:t>Et tous les autres membres de l’équipe.</a:t>
+            </a:r>
+            <a:endParaRPr lang="fr-FR" sz="2000" dirty="0"/>
+          </a:p>
+        </p:txBody>
+      </p:sp>
+      <p:sp>
+        <p:nvSpPr>
+          <p:cNvPr id="7" name="ZoneTexte 6"/>
+          <p:cNvSpPr txBox="1"/>
+          <p:nvPr/>
+        </p:nvSpPr>
+        <p:spPr>
+          <a:xfrm>
+            <a:off x="8436864" y="1395609"/>
+            <a:ext cx="3169920" cy="2985433"/>
+          </a:xfrm>
+          <a:prstGeom prst="rect">
+            <a:avLst/>
+          </a:prstGeom>
+          <a:solidFill>
+            <a:schemeClr val="bg1"/>
+          </a:solidFill>
+          <a:ln>
+            <a:solidFill>
+              <a:schemeClr val="tx1"/>
+            </a:solidFill>
+          </a:ln>
+        </p:spPr>
+        <p:txBody>
+          <a:bodyPr wrap="square" rtlCol="0">
+            <a:spAutoFit/>
+          </a:bodyPr>
+          <a:lstStyle/>
+          <a:p>
+            <a:r>
+              <a:rPr lang="fr-FR" sz="2800" b="1" dirty="0" smtClean="0"/>
+              <a:t>Formateurs :</a:t>
+            </a:r>
+          </a:p>
+          <a:p>
+            <a:r>
+              <a:rPr lang="fr-FR" sz="2000" dirty="0" smtClean="0"/>
+              <a:t>Jean-Luc AUBERT</a:t>
+            </a:r>
+          </a:p>
+          <a:p>
+            <a:r>
+              <a:rPr lang="fr-FR" sz="2000" dirty="0" smtClean="0"/>
+              <a:t>L’</a:t>
+            </a:r>
+            <a:r>
+              <a:rPr lang="fr-FR" sz="2000" dirty="0" err="1" smtClean="0"/>
+              <a:t>Hacène</a:t>
+            </a:r>
+            <a:r>
+              <a:rPr lang="fr-FR" sz="2000" dirty="0" smtClean="0"/>
+              <a:t> BACHIR</a:t>
+            </a:r>
+          </a:p>
+          <a:p>
+            <a:r>
+              <a:rPr lang="fr-FR" sz="2000" dirty="0" smtClean="0"/>
+              <a:t>Matthias COLIN</a:t>
+            </a:r>
+          </a:p>
+          <a:p>
+            <a:r>
+              <a:rPr lang="fr-FR" sz="2000" dirty="0" smtClean="0"/>
+              <a:t>Dominique CRESSON</a:t>
+            </a:r>
+          </a:p>
+          <a:p>
+            <a:r>
+              <a:rPr lang="fr-FR" sz="2000" dirty="0" smtClean="0"/>
+              <a:t>Pascal DELBRAYELLE</a:t>
+            </a:r>
+          </a:p>
+          <a:p>
+            <a:r>
+              <a:rPr lang="fr-FR" sz="2000" dirty="0" smtClean="0"/>
+              <a:t>Rémy PANNE</a:t>
+            </a:r>
+          </a:p>
+          <a:p>
+            <a:r>
+              <a:rPr lang="fr-FR" sz="2000" dirty="0" smtClean="0"/>
+              <a:t>Frederick STRASSEL</a:t>
+            </a:r>
+          </a:p>
+          <a:p>
+            <a:endParaRPr lang="fr-FR" sz="2000" dirty="0" smtClean="0"/>
+          </a:p>
+        </p:txBody>
+      </p:sp>
+      <p:sp>
+        <p:nvSpPr>
+          <p:cNvPr id="10" name="ZoneTexte 9"/>
+          <p:cNvSpPr txBox="1"/>
+          <p:nvPr/>
+        </p:nvSpPr>
+        <p:spPr>
+          <a:xfrm>
+            <a:off x="396122" y="4608201"/>
+            <a:ext cx="7796901" cy="2062103"/>
+          </a:xfrm>
+          <a:prstGeom prst="rect">
+            <a:avLst/>
+          </a:prstGeom>
+          <a:solidFill>
+            <a:schemeClr val="bg1"/>
+          </a:solidFill>
+          <a:ln>
+            <a:solidFill>
+              <a:schemeClr val="tx1"/>
+            </a:solidFill>
+          </a:ln>
+        </p:spPr>
+        <p:txBody>
+          <a:bodyPr wrap="square" rtlCol="0">
+            <a:spAutoFit/>
+          </a:bodyPr>
+          <a:lstStyle/>
+          <a:p>
+            <a:endParaRPr lang="fr-FR" sz="2800" b="1" dirty="0" smtClean="0"/>
+          </a:p>
+          <a:p>
+            <a:endParaRPr lang="fr-FR" sz="2000" dirty="0" smtClean="0"/>
+          </a:p>
+          <a:p>
+            <a:endParaRPr lang="fr-FR" sz="2000" dirty="0" smtClean="0"/>
+          </a:p>
+          <a:p>
+            <a:endParaRPr lang="fr-FR" sz="2000" dirty="0" smtClean="0"/>
+          </a:p>
+          <a:p>
+            <a:endParaRPr lang="fr-FR" sz="2000" dirty="0" smtClean="0"/>
+          </a:p>
+          <a:p>
+            <a:endParaRPr lang="fr-FR" sz="2000" dirty="0" smtClean="0"/>
+          </a:p>
+        </p:txBody>
+      </p:sp>
+      <p:sp>
+        <p:nvSpPr>
+          <p:cNvPr id="12" name="ZoneTexte 11"/>
+          <p:cNvSpPr txBox="1"/>
+          <p:nvPr/>
+        </p:nvSpPr>
+        <p:spPr>
+          <a:xfrm>
+            <a:off x="8436864" y="4608201"/>
+            <a:ext cx="3169920" cy="2062103"/>
+          </a:xfrm>
+          <a:prstGeom prst="rect">
+            <a:avLst/>
+          </a:prstGeom>
+          <a:solidFill>
+            <a:schemeClr val="bg1"/>
+          </a:solidFill>
+          <a:ln>
+            <a:solidFill>
+              <a:schemeClr val="tx1"/>
+            </a:solidFill>
+          </a:ln>
+        </p:spPr>
+        <p:txBody>
+          <a:bodyPr wrap="square" rtlCol="0">
+            <a:spAutoFit/>
+          </a:bodyPr>
+          <a:lstStyle/>
+          <a:p>
+            <a:r>
+              <a:rPr lang="fr-FR" sz="2800" b="1" dirty="0" smtClean="0"/>
+              <a:t>Organismes :</a:t>
+            </a:r>
+          </a:p>
+          <a:p>
+            <a:r>
+              <a:rPr lang="fr-FR" sz="2000" dirty="0" smtClean="0"/>
+              <a:t>Pôle Emploi              FIAFEC</a:t>
+            </a:r>
+          </a:p>
+          <a:p>
+            <a:endParaRPr lang="fr-FR" sz="2000" dirty="0" smtClean="0"/>
+          </a:p>
+          <a:p>
+            <a:endParaRPr lang="fr-FR" sz="2000" dirty="0"/>
+          </a:p>
+          <a:p>
+            <a:endParaRPr lang="fr-FR" sz="2000" dirty="0" smtClean="0"/>
+          </a:p>
+          <a:p>
+            <a:endParaRPr lang="fr-FR" sz="2000" dirty="0" smtClean="0"/>
+          </a:p>
+        </p:txBody>
+      </p:sp>
+      <p:pic>
+        <p:nvPicPr>
+          <p:cNvPr id="2054" name="Picture 6" descr="https://media.licdn.com/dms/image/C4D0BAQFgdW5n-9JcqQ/company-logo_200_200/0?e=2159024400&amp;v=beta&amp;t=fmv4wDvlVd0Ir7sSTEw_t0ar1d8lr7Oj01Ffs7YTaeQ"/>
+          <p:cNvPicPr>
+            <a:picLocks noChangeAspect="1" noChangeArrowheads="1"/>
+          </p:cNvPicPr>
+          <p:nvPr/>
+        </p:nvPicPr>
+        <p:blipFill rotWithShape="1">
+          <a:blip r:embed="rId3">
+            <a:extLst>
+              <a:ext uri="{28A0092B-C50C-407E-A947-70E740481C1C}">
+                <a14:useLocalDpi xmlns:a14="http://schemas.microsoft.com/office/drawing/2010/main" val="0"/>
+              </a:ext>
+            </a:extLst>
+          </a:blip>
+          <a:srcRect l="19323" t="19589" r="20310" b="17223"/>
+          <a:stretch/>
+        </p:blipFill>
+        <p:spPr bwMode="auto">
+          <a:xfrm>
+            <a:off x="6083018" y="1429374"/>
+            <a:ext cx="1767840" cy="1850449"/>
+          </a:xfrm>
+          <a:prstGeom prst="rect">
+            <a:avLst/>
+          </a:prstGeom>
+          <a:noFill/>
+          <a:extLst>
+            <a:ext uri="{909E8E84-426E-40DD-AFC4-6F175D3DCCD1}">
+              <a14:hiddenFill xmlns:a14="http://schemas.microsoft.com/office/drawing/2010/main">
+                <a:solidFill>
+                  <a:srgbClr val="FFFFFF"/>
+                </a:solidFill>
+              </a14:hiddenFill>
+            </a:ext>
+          </a:extLst>
+        </p:spPr>
+      </p:pic>
+      <p:pic>
+        <p:nvPicPr>
+          <p:cNvPr id="2056" name="Picture 8" descr="Résultat de recherche d'images pour &quot;aelion&quot;"/>
+          <p:cNvPicPr>
+            <a:picLocks noChangeAspect="1" noChangeArrowheads="1"/>
+          </p:cNvPicPr>
+          <p:nvPr/>
+        </p:nvPicPr>
+        <p:blipFill rotWithShape="1">
+          <a:blip r:embed="rId4" cstate="print">
+            <a:extLst>
+              <a:ext uri="{28A0092B-C50C-407E-A947-70E740481C1C}">
+                <a14:useLocalDpi xmlns:a14="http://schemas.microsoft.com/office/drawing/2010/main" val="0"/>
+              </a:ext>
+            </a:extLst>
+          </a:blip>
+          <a:srcRect l="12757" t="25488" r="8548" b="23578"/>
+          <a:stretch/>
+        </p:blipFill>
+        <p:spPr bwMode="auto">
+          <a:xfrm>
+            <a:off x="3853462" y="2122996"/>
+            <a:ext cx="2242538" cy="950754"/>
+          </a:xfrm>
+          <a:prstGeom prst="rect">
+            <a:avLst/>
+          </a:prstGeom>
+          <a:noFill/>
+          <a:extLst>
+            <a:ext uri="{909E8E84-426E-40DD-AFC4-6F175D3DCCD1}">
+              <a14:hiddenFill xmlns:a14="http://schemas.microsoft.com/office/drawing/2010/main">
+                <a:solidFill>
+                  <a:srgbClr val="FFFFFF"/>
+                </a:solidFill>
+              </a14:hiddenFill>
+            </a:ext>
+          </a:extLst>
+        </p:spPr>
+      </p:pic>
+      <p:pic>
+        <p:nvPicPr>
+          <p:cNvPr id="2058" name="Picture 10" descr="Résultat de recherche d'images pour &quot;capgemini&quot;"/>
+          <p:cNvPicPr>
+            <a:picLocks noChangeAspect="1" noChangeArrowheads="1"/>
+          </p:cNvPicPr>
+          <p:nvPr/>
+        </p:nvPicPr>
+        <p:blipFill>
+          <a:blip r:embed="rId5" cstate="print">
+            <a:extLst>
+              <a:ext uri="{28A0092B-C50C-407E-A947-70E740481C1C}">
+                <a14:useLocalDpi xmlns:a14="http://schemas.microsoft.com/office/drawing/2010/main" val="0"/>
+              </a:ext>
+            </a:extLst>
+          </a:blip>
+          <a:srcRect/>
+          <a:stretch>
+            <a:fillRect/>
+          </a:stretch>
+        </p:blipFill>
+        <p:spPr bwMode="auto">
+          <a:xfrm>
+            <a:off x="268106" y="4608201"/>
+            <a:ext cx="3057466" cy="1239747"/>
+          </a:xfrm>
+          <a:prstGeom prst="rect">
+            <a:avLst/>
+          </a:prstGeom>
+          <a:noFill/>
+          <a:extLst>
+            <a:ext uri="{909E8E84-426E-40DD-AFC4-6F175D3DCCD1}">
+              <a14:hiddenFill xmlns:a14="http://schemas.microsoft.com/office/drawing/2010/main">
+                <a:solidFill>
+                  <a:srgbClr val="FFFFFF"/>
+                </a:solidFill>
+              </a14:hiddenFill>
+            </a:ext>
+          </a:extLst>
+        </p:spPr>
+      </p:pic>
+      <p:pic>
+        <p:nvPicPr>
+          <p:cNvPr id="2060" name="Picture 12" descr="Résultat de recherche d'images pour &quot;sogeti&quot;"/>
+          <p:cNvPicPr>
+            <a:picLocks noChangeAspect="1" noChangeArrowheads="1"/>
+          </p:cNvPicPr>
+          <p:nvPr/>
+        </p:nvPicPr>
+        <p:blipFill>
+          <a:blip r:embed="rId6" cstate="print">
+            <a:extLst>
+              <a:ext uri="{28A0092B-C50C-407E-A947-70E740481C1C}">
+                <a14:useLocalDpi xmlns:a14="http://schemas.microsoft.com/office/drawing/2010/main" val="0"/>
+              </a:ext>
+            </a:extLst>
+          </a:blip>
+          <a:srcRect/>
+          <a:stretch>
+            <a:fillRect/>
+          </a:stretch>
+        </p:blipFill>
+        <p:spPr bwMode="auto">
+          <a:xfrm>
+            <a:off x="6376416" y="4891527"/>
+            <a:ext cx="1410286" cy="729823"/>
+          </a:xfrm>
+          <a:prstGeom prst="rect">
+            <a:avLst/>
+          </a:prstGeom>
+          <a:noFill/>
+          <a:extLst>
+            <a:ext uri="{909E8E84-426E-40DD-AFC4-6F175D3DCCD1}">
+              <a14:hiddenFill xmlns:a14="http://schemas.microsoft.com/office/drawing/2010/main">
+                <a:solidFill>
+                  <a:srgbClr val="FFFFFF"/>
+                </a:solidFill>
+              </a14:hiddenFill>
+            </a:ext>
+          </a:extLst>
+        </p:spPr>
+      </p:pic>
+      <p:pic>
+        <p:nvPicPr>
+          <p:cNvPr id="2062" name="Picture 14" descr="Résultat de recherche d'images pour &quot;econocom&quot;"/>
+          <p:cNvPicPr>
+            <a:picLocks noChangeAspect="1" noChangeArrowheads="1"/>
+          </p:cNvPicPr>
+          <p:nvPr/>
+        </p:nvPicPr>
+        <p:blipFill rotWithShape="1">
+          <a:blip r:embed="rId7" cstate="print">
+            <a:extLst>
+              <a:ext uri="{28A0092B-C50C-407E-A947-70E740481C1C}">
+                <a14:useLocalDpi xmlns:a14="http://schemas.microsoft.com/office/drawing/2010/main" val="0"/>
+              </a:ext>
+            </a:extLst>
+          </a:blip>
+          <a:srcRect l="13612" t="35319" r="13637" b="35147"/>
+          <a:stretch/>
+        </p:blipFill>
+        <p:spPr bwMode="auto">
+          <a:xfrm>
+            <a:off x="3496261" y="4879335"/>
+            <a:ext cx="2342917" cy="635576"/>
+          </a:xfrm>
+          <a:prstGeom prst="rect">
+            <a:avLst/>
+          </a:prstGeom>
+          <a:noFill/>
+          <a:extLst>
+            <a:ext uri="{909E8E84-426E-40DD-AFC4-6F175D3DCCD1}">
+              <a14:hiddenFill xmlns:a14="http://schemas.microsoft.com/office/drawing/2010/main">
+                <a:solidFill>
+                  <a:srgbClr val="FFFFFF"/>
+                </a:solidFill>
+              </a14:hiddenFill>
+            </a:ext>
+          </a:extLst>
+        </p:spPr>
+      </p:pic>
+      <p:sp>
+        <p:nvSpPr>
+          <p:cNvPr id="6" name="ZoneTexte 5"/>
+          <p:cNvSpPr txBox="1"/>
+          <p:nvPr/>
+        </p:nvSpPr>
+        <p:spPr>
+          <a:xfrm>
+            <a:off x="487680" y="5804230"/>
+            <a:ext cx="7498080" cy="707886"/>
+          </a:xfrm>
+          <a:prstGeom prst="rect">
+            <a:avLst/>
+          </a:prstGeom>
+          <a:noFill/>
+        </p:spPr>
+        <p:txBody>
+          <a:bodyPr wrap="square" rtlCol="0">
+            <a:spAutoFit/>
+          </a:bodyPr>
+          <a:lstStyle/>
+          <a:p>
+            <a:r>
+              <a:rPr lang="fr-FR" sz="2000" dirty="0" smtClean="0"/>
+              <a:t>Un grand merci à nos futurs employeurs, tout particulièrement aux personnes présentes aujourd’hui : Gilles FOUREST et Laurent PECKRE.</a:t>
+            </a:r>
+            <a:endParaRPr lang="fr-FR" sz="2000" dirty="0"/>
+          </a:p>
+        </p:txBody>
+      </p:sp>
+      <p:pic>
+        <p:nvPicPr>
+          <p:cNvPr id="2064" name="Picture 16" descr="Résultat de recherche d'images pour &quot;pole emploi&quot;"/>
+          <p:cNvPicPr>
+            <a:picLocks noChangeAspect="1" noChangeArrowheads="1"/>
+          </p:cNvPicPr>
+          <p:nvPr/>
+        </p:nvPicPr>
+        <p:blipFill>
+          <a:blip r:embed="rId8" cstate="print">
+            <a:extLst>
+              <a:ext uri="{28A0092B-C50C-407E-A947-70E740481C1C}">
+                <a14:useLocalDpi xmlns:a14="http://schemas.microsoft.com/office/drawing/2010/main" val="0"/>
+              </a:ext>
+            </a:extLst>
+          </a:blip>
+          <a:srcRect/>
+          <a:stretch>
+            <a:fillRect/>
+          </a:stretch>
+        </p:blipFill>
+        <p:spPr bwMode="auto">
+          <a:xfrm>
+            <a:off x="8563005" y="5528728"/>
+            <a:ext cx="1330571" cy="995580"/>
+          </a:xfrm>
+          <a:prstGeom prst="rect">
+            <a:avLst/>
+          </a:prstGeom>
+          <a:noFill/>
+          <a:extLst>
+            <a:ext uri="{909E8E84-426E-40DD-AFC4-6F175D3DCCD1}">
+              <a14:hiddenFill xmlns:a14="http://schemas.microsoft.com/office/drawing/2010/main">
+                <a:solidFill>
+                  <a:srgbClr val="FFFFFF"/>
+                </a:solidFill>
+              </a14:hiddenFill>
+            </a:ext>
+          </a:extLst>
+        </p:spPr>
+      </p:pic>
+      <p:pic>
+        <p:nvPicPr>
+          <p:cNvPr id="2066" name="Picture 18" descr="Résultat de recherche d'images pour &quot;fafiec&quot;"/>
+          <p:cNvPicPr>
+            <a:picLocks noChangeAspect="1" noChangeArrowheads="1"/>
+          </p:cNvPicPr>
+          <p:nvPr/>
+        </p:nvPicPr>
+        <p:blipFill>
+          <a:blip r:embed="rId9" cstate="print">
+            <a:extLst>
+              <a:ext uri="{28A0092B-C50C-407E-A947-70E740481C1C}">
+                <a14:useLocalDpi xmlns:a14="http://schemas.microsoft.com/office/drawing/2010/main" val="0"/>
+              </a:ext>
+            </a:extLst>
+          </a:blip>
+          <a:srcRect/>
+          <a:stretch>
+            <a:fillRect/>
+          </a:stretch>
+        </p:blipFill>
+        <p:spPr bwMode="auto">
+          <a:xfrm>
+            <a:off x="10058556" y="5596966"/>
+            <a:ext cx="1633572" cy="642902"/>
+          </a:xfrm>
+          <a:prstGeom prst="rect">
+            <a:avLst/>
+          </a:prstGeom>
+          <a:noFill/>
+          <a:extLst>
+            <a:ext uri="{909E8E84-426E-40DD-AFC4-6F175D3DCCD1}">
+              <a14:hiddenFill xmlns:a14="http://schemas.microsoft.com/office/drawing/2010/main">
+                <a:solidFill>
+                  <a:srgbClr val="FFFFFF"/>
+                </a:solidFill>
+              </a14:hiddenFill>
+            </a:ext>
+          </a:extLst>
+        </p:spPr>
+      </p:pic>
+      <p:pic>
+        <p:nvPicPr>
+          <p:cNvPr id="13" name="Image 12"/>
+          <p:cNvPicPr>
+            <a:picLocks noChangeAspect="1"/>
+          </p:cNvPicPr>
+          <p:nvPr/>
+        </p:nvPicPr>
+        <p:blipFill>
+          <a:blip r:embed="rId10"/>
+          <a:stretch>
+            <a:fillRect/>
+          </a:stretch>
+        </p:blipFill>
+        <p:spPr>
+          <a:xfrm>
+            <a:off x="5366657" y="3395640"/>
+            <a:ext cx="1894114" cy="810993"/>
+          </a:xfrm>
+          <a:prstGeom prst="rect">
+            <a:avLst/>
+          </a:prstGeom>
+        </p:spPr>
+      </p:pic>
+    </p:spTree>
+    <p:extLst>
+      <p:ext uri="{BB962C8B-B14F-4D97-AF65-F5344CB8AC3E}">
+        <p14:creationId xmlns:p14="http://schemas.microsoft.com/office/powerpoint/2010/main" val="4159202307"/>
+      </p:ext>
+    </p:extLst>
+  </p:cSld>
+  <p:clrMapOvr>
+    <a:masterClrMapping/>
+  </p:clrMapOvr>
+  <p:timing>
+    <p:tnLst>
+      <p:par>
+        <p:cTn id="1" dur="indefinite" restart="never" nodeType="tmRoot"/>
+      </p:par>
+    </p:tnLst>
+  </p:timing>
+</p:sld>
+</file>
+
+<file path=ppt/slides/slide22.xml><?xml version="1.0" encoding="utf-8"?>
+<p:sld xmlns:a="http://schemas.openxmlformats.org/drawingml/2006/main" xmlns:r="http://schemas.openxmlformats.org/officeDocument/2006/relationships" xmlns:p="http://schemas.openxmlformats.org/presentationml/2006/main">
+  <p:cSld>
+    <p:bg>
+      <p:bgPr>
+        <a:solidFill>
+          <a:schemeClr val="bg1">
+            <a:lumMod val="85000"/>
+          </a:schemeClr>
+        </a:solidFill>
+        <a:effectLst/>
+      </p:bgPr>
+    </p:bg>
+    <p:spTree>
+      <p:nvGrpSpPr>
+        <p:cNvPr id="1" name=""/>
+        <p:cNvGrpSpPr/>
+        <p:nvPr/>
+      </p:nvGrpSpPr>
+      <p:grpSpPr>
+        <a:xfrm>
+          <a:off x="0" y="0"/>
+          <a:ext cx="0" cy="0"/>
+          <a:chOff x="0" y="0"/>
+          <a:chExt cx="0" cy="0"/>
+        </a:xfrm>
+      </p:grpSpPr>
+      <p:sp>
+        <p:nvSpPr>
+          <p:cNvPr id="4" name="Rectangle 3"/>
+          <p:cNvSpPr/>
+          <p:nvPr/>
+        </p:nvSpPr>
+        <p:spPr>
+          <a:xfrm>
+            <a:off x="0" y="0"/>
+            <a:ext cx="12192000" cy="1146048"/>
+          </a:xfrm>
+          <a:prstGeom prst="rect">
+            <a:avLst/>
+          </a:prstGeom>
+          <a:solidFill>
+            <a:schemeClr val="bg1"/>
+          </a:solidFill>
+          <a:ln>
+            <a:noFill/>
+          </a:ln>
+          <a:effectLst/>
+        </p:spPr>
+        <p:style>
+          <a:lnRef idx="2">
+            <a:schemeClr val="accent1">
+              <a:shade val="50000"/>
+            </a:schemeClr>
+          </a:lnRef>
+          <a:fillRef idx="1">
+            <a:schemeClr val="accent1"/>
+          </a:fillRef>
+          <a:effectRef idx="0">
+            <a:schemeClr val="accent1"/>
+          </a:effectRef>
+          <a:fontRef idx="minor">
+            <a:schemeClr val="lt1"/>
+          </a:fontRef>
+        </p:style>
+        <p:txBody>
+          <a:bodyPr rtlCol="0" anchor="ctr"/>
+          <a:lstStyle/>
+          <a:p>
             <a:pPr marL="0" marR="0" lvl="0" indent="0" algn="ctr" defTabSz="914400" rtl="0" eaLnBrk="1" fontAlgn="auto" latinLnBrk="0" hangingPunct="1">
               <a:lnSpc>
                 <a:spcPct val="100000"/>
@@ -23730,7 +24369,7 @@
                 <a:tabLst/>
                 <a:defRPr/>
               </a:pPr>
-              <a:t>21</a:t>
+              <a:t>22</a:t>
             </a:fld>
             <a:endParaRPr kumimoji="0" lang="fr-FR" sz="1200" b="1" i="0" u="none" strike="noStrike" kern="1200" cap="none" spc="0" normalizeH="0" baseline="0" noProof="0" dirty="0">
               <a:ln>
@@ -24478,819 +25117,6 @@
     <p:extLst>
       <p:ext uri="{BB962C8B-B14F-4D97-AF65-F5344CB8AC3E}">
         <p14:creationId xmlns:p14="http://schemas.microsoft.com/office/powerpoint/2010/main" val="63647812"/>
-      </p:ext>
-    </p:extLst>
-  </p:cSld>
-  <p:clrMapOvr>
-    <a:masterClrMapping/>
-  </p:clrMapOvr>
-  <p:timing>
-    <p:tnLst>
-      <p:par>
-        <p:cTn id="1" dur="indefinite" restart="never" nodeType="tmRoot"/>
-      </p:par>
-    </p:tnLst>
-  </p:timing>
-</p:sld>
-</file>
-
-<file path=ppt/slides/slide22.xml><?xml version="1.0" encoding="utf-8"?>
-<p:sld xmlns:a="http://schemas.openxmlformats.org/drawingml/2006/main" xmlns:r="http://schemas.openxmlformats.org/officeDocument/2006/relationships" xmlns:p="http://schemas.openxmlformats.org/presentationml/2006/main">
-  <p:cSld>
-    <p:bg>
-      <p:bgPr>
-        <a:solidFill>
-          <a:schemeClr val="bg1">
-            <a:lumMod val="85000"/>
-          </a:schemeClr>
-        </a:solidFill>
-        <a:effectLst/>
-      </p:bgPr>
-    </p:bg>
-    <p:spTree>
-      <p:nvGrpSpPr>
-        <p:cNvPr id="1" name=""/>
-        <p:cNvGrpSpPr/>
-        <p:nvPr/>
-      </p:nvGrpSpPr>
-      <p:grpSpPr>
-        <a:xfrm>
-          <a:off x="0" y="0"/>
-          <a:ext cx="0" cy="0"/>
-          <a:chOff x="0" y="0"/>
-          <a:chExt cx="0" cy="0"/>
-        </a:xfrm>
-      </p:grpSpPr>
-      <p:sp>
-        <p:nvSpPr>
-          <p:cNvPr id="4" name="Rectangle 3"/>
-          <p:cNvSpPr/>
-          <p:nvPr/>
-        </p:nvSpPr>
-        <p:spPr>
-          <a:xfrm>
-            <a:off x="0" y="0"/>
-            <a:ext cx="12192000" cy="1146048"/>
-          </a:xfrm>
-          <a:prstGeom prst="rect">
-            <a:avLst/>
-          </a:prstGeom>
-          <a:solidFill>
-            <a:schemeClr val="bg1"/>
-          </a:solidFill>
-          <a:ln>
-            <a:noFill/>
-          </a:ln>
-          <a:effectLst/>
-        </p:spPr>
-        <p:style>
-          <a:lnRef idx="2">
-            <a:schemeClr val="accent1">
-              <a:shade val="50000"/>
-            </a:schemeClr>
-          </a:lnRef>
-          <a:fillRef idx="1">
-            <a:schemeClr val="accent1"/>
-          </a:fillRef>
-          <a:effectRef idx="0">
-            <a:schemeClr val="accent1"/>
-          </a:effectRef>
-          <a:fontRef idx="minor">
-            <a:schemeClr val="lt1"/>
-          </a:fontRef>
-        </p:style>
-        <p:txBody>
-          <a:bodyPr rtlCol="0" anchor="ctr"/>
-          <a:lstStyle/>
-          <a:p>
-            <a:pPr algn="ctr"/>
-            <a:endParaRPr lang="fr-FR"/>
-          </a:p>
-        </p:txBody>
-      </p:sp>
-      <p:pic>
-        <p:nvPicPr>
-          <p:cNvPr id="2" name="Image 1"/>
-          <p:cNvPicPr>
-            <a:picLocks noChangeAspect="1"/>
-          </p:cNvPicPr>
-          <p:nvPr/>
-        </p:nvPicPr>
-        <p:blipFill rotWithShape="1">
-          <a:blip r:embed="rId2">
-            <a:extLst>
-              <a:ext uri="{28A0092B-C50C-407E-A947-70E740481C1C}">
-                <a14:useLocalDpi xmlns:a14="http://schemas.microsoft.com/office/drawing/2010/main" val="0"/>
-              </a:ext>
-            </a:extLst>
-          </a:blip>
-          <a:srcRect t="17164" r="41807" b="44944"/>
-          <a:stretch/>
-        </p:blipFill>
-        <p:spPr>
-          <a:xfrm>
-            <a:off x="10431979" y="0"/>
-            <a:ext cx="1760021" cy="1146048"/>
-          </a:xfrm>
-          <a:prstGeom prst="rect">
-            <a:avLst/>
-          </a:prstGeom>
-        </p:spPr>
-      </p:pic>
-      <p:sp>
-        <p:nvSpPr>
-          <p:cNvPr id="8" name="Espace réservé du numéro de diapositive 7"/>
-          <p:cNvSpPr>
-            <a:spLocks noGrp="1"/>
-          </p:cNvSpPr>
-          <p:nvPr>
-            <p:ph type="sldNum" sz="quarter" idx="12"/>
-          </p:nvPr>
-        </p:nvSpPr>
-        <p:spPr>
-          <a:xfrm>
-            <a:off x="9314688" y="6492875"/>
-            <a:ext cx="2743200" cy="365125"/>
-          </a:xfrm>
-        </p:spPr>
-        <p:txBody>
-          <a:bodyPr/>
-          <a:lstStyle/>
-          <a:p>
-            <a:fld id="{8C41BEEE-35CD-4A8E-9570-6BC5F8AFE5DF}" type="slidenum">
-              <a:rPr lang="fr-FR" b="1" smtClean="0">
-                <a:solidFill>
-                  <a:schemeClr val="tx1"/>
-                </a:solidFill>
-              </a:rPr>
-              <a:t>22</a:t>
-            </a:fld>
-            <a:endParaRPr lang="fr-FR" b="1" dirty="0">
-              <a:solidFill>
-                <a:schemeClr val="tx1"/>
-              </a:solidFill>
-            </a:endParaRPr>
-          </a:p>
-        </p:txBody>
-      </p:sp>
-      <p:sp>
-        <p:nvSpPr>
-          <p:cNvPr id="9" name="ZoneTexte 8"/>
-          <p:cNvSpPr txBox="1"/>
-          <p:nvPr/>
-        </p:nvSpPr>
-        <p:spPr>
-          <a:xfrm>
-            <a:off x="2411906" y="219081"/>
-            <a:ext cx="6815328" cy="707886"/>
-          </a:xfrm>
-          <a:prstGeom prst="rect">
-            <a:avLst/>
-          </a:prstGeom>
-          <a:noFill/>
-        </p:spPr>
-        <p:txBody>
-          <a:bodyPr wrap="square" rtlCol="0">
-            <a:spAutoFit/>
-          </a:bodyPr>
-          <a:lstStyle/>
-          <a:p>
-            <a:pPr algn="ctr"/>
-            <a:r>
-              <a:rPr lang="fr-FR" sz="4000" b="1" dirty="0" smtClean="0"/>
-              <a:t>REMERCIEMENTS</a:t>
-            </a:r>
-            <a:endParaRPr lang="fr-FR" sz="4000" b="1" dirty="0"/>
-          </a:p>
-        </p:txBody>
-      </p:sp>
-      <p:sp>
-        <p:nvSpPr>
-          <p:cNvPr id="11" name="ZoneTexte 10"/>
-          <p:cNvSpPr txBox="1"/>
-          <p:nvPr/>
-        </p:nvSpPr>
-        <p:spPr>
-          <a:xfrm>
-            <a:off x="396123" y="1395609"/>
-            <a:ext cx="7796901" cy="2985433"/>
-          </a:xfrm>
-          <a:prstGeom prst="rect">
-            <a:avLst/>
-          </a:prstGeom>
-          <a:solidFill>
-            <a:schemeClr val="bg1"/>
-          </a:solidFill>
-          <a:ln>
-            <a:solidFill>
-              <a:schemeClr val="tx1"/>
-            </a:solidFill>
-          </a:ln>
-        </p:spPr>
-        <p:txBody>
-          <a:bodyPr wrap="square" rtlCol="0">
-            <a:spAutoFit/>
-          </a:bodyPr>
-          <a:lstStyle/>
-          <a:p>
-            <a:r>
-              <a:rPr lang="fr-FR" sz="2800" b="1" dirty="0" err="1" smtClean="0"/>
-              <a:t>Aelion-Aolys</a:t>
-            </a:r>
-            <a:r>
-              <a:rPr lang="fr-FR" sz="2800" b="1" dirty="0" smtClean="0"/>
-              <a:t> &amp; </a:t>
-            </a:r>
-            <a:r>
-              <a:rPr lang="fr-FR" sz="2800" b="1" dirty="0" err="1" smtClean="0"/>
-              <a:t>Strategia</a:t>
-            </a:r>
-            <a:r>
-              <a:rPr lang="fr-FR" sz="2800" b="1" dirty="0" smtClean="0"/>
-              <a:t> :</a:t>
-            </a:r>
-          </a:p>
-          <a:p>
-            <a:r>
-              <a:rPr lang="fr-FR" sz="2000" dirty="0" smtClean="0"/>
-              <a:t>Magali FARENC</a:t>
-            </a:r>
-          </a:p>
-          <a:p>
-            <a:r>
-              <a:rPr lang="fr-FR" sz="2000" dirty="0" smtClean="0"/>
-              <a:t>Sarah KILINC</a:t>
-            </a:r>
-          </a:p>
-          <a:p>
-            <a:r>
-              <a:rPr lang="fr-FR" sz="2000" dirty="0" smtClean="0"/>
-              <a:t>Stéphanie LAMOUROUX</a:t>
-            </a:r>
-          </a:p>
-          <a:p>
-            <a:r>
-              <a:rPr lang="fr-FR" sz="2000" dirty="0" smtClean="0"/>
-              <a:t>Tony MARCELLO</a:t>
-            </a:r>
-          </a:p>
-          <a:p>
-            <a:r>
-              <a:rPr lang="fr-FR" sz="2000" dirty="0" smtClean="0"/>
-              <a:t>Alice RIVIERE</a:t>
-            </a:r>
-          </a:p>
-          <a:p>
-            <a:r>
-              <a:rPr lang="fr-FR" sz="2000" dirty="0" smtClean="0"/>
-              <a:t>Xavier ROLLAND</a:t>
-            </a:r>
-          </a:p>
-          <a:p>
-            <a:r>
-              <a:rPr lang="fr-FR" sz="2000" dirty="0" smtClean="0"/>
-              <a:t>Mélanie SAULAY</a:t>
-            </a:r>
-          </a:p>
-          <a:p>
-            <a:r>
-              <a:rPr lang="fr-FR" sz="2000" dirty="0" smtClean="0"/>
-              <a:t>Et tous les autres membres de l’équipe.</a:t>
-            </a:r>
-            <a:endParaRPr lang="fr-FR" sz="2000" dirty="0"/>
-          </a:p>
-        </p:txBody>
-      </p:sp>
-      <p:sp>
-        <p:nvSpPr>
-          <p:cNvPr id="7" name="ZoneTexte 6"/>
-          <p:cNvSpPr txBox="1"/>
-          <p:nvPr/>
-        </p:nvSpPr>
-        <p:spPr>
-          <a:xfrm>
-            <a:off x="8436864" y="1395609"/>
-            <a:ext cx="3169920" cy="2985433"/>
-          </a:xfrm>
-          <a:prstGeom prst="rect">
-            <a:avLst/>
-          </a:prstGeom>
-          <a:solidFill>
-            <a:schemeClr val="bg1"/>
-          </a:solidFill>
-          <a:ln>
-            <a:solidFill>
-              <a:schemeClr val="tx1"/>
-            </a:solidFill>
-          </a:ln>
-        </p:spPr>
-        <p:txBody>
-          <a:bodyPr wrap="square" rtlCol="0">
-            <a:spAutoFit/>
-          </a:bodyPr>
-          <a:lstStyle/>
-          <a:p>
-            <a:r>
-              <a:rPr lang="fr-FR" sz="2800" b="1" dirty="0" smtClean="0"/>
-              <a:t>Formateurs :</a:t>
-            </a:r>
-          </a:p>
-          <a:p>
-            <a:r>
-              <a:rPr lang="fr-FR" sz="2000" dirty="0" smtClean="0"/>
-              <a:t>Jean-Luc AUBERT</a:t>
-            </a:r>
-          </a:p>
-          <a:p>
-            <a:r>
-              <a:rPr lang="fr-FR" sz="2000" dirty="0" smtClean="0"/>
-              <a:t>L’</a:t>
-            </a:r>
-            <a:r>
-              <a:rPr lang="fr-FR" sz="2000" dirty="0" err="1" smtClean="0"/>
-              <a:t>Hacène</a:t>
-            </a:r>
-            <a:r>
-              <a:rPr lang="fr-FR" sz="2000" dirty="0" smtClean="0"/>
-              <a:t> BACHIR</a:t>
-            </a:r>
-          </a:p>
-          <a:p>
-            <a:r>
-              <a:rPr lang="fr-FR" sz="2000" dirty="0" smtClean="0"/>
-              <a:t>Matthias COLIN</a:t>
-            </a:r>
-          </a:p>
-          <a:p>
-            <a:r>
-              <a:rPr lang="fr-FR" sz="2000" dirty="0" smtClean="0"/>
-              <a:t>Dominique CRESSON</a:t>
-            </a:r>
-          </a:p>
-          <a:p>
-            <a:r>
-              <a:rPr lang="fr-FR" sz="2000" dirty="0" smtClean="0"/>
-              <a:t>Pascal DELBRAYELLE</a:t>
-            </a:r>
-          </a:p>
-          <a:p>
-            <a:r>
-              <a:rPr lang="fr-FR" sz="2000" dirty="0" smtClean="0"/>
-              <a:t>Rémy PANNE</a:t>
-            </a:r>
-          </a:p>
-          <a:p>
-            <a:r>
-              <a:rPr lang="fr-FR" sz="2000" dirty="0" smtClean="0"/>
-              <a:t>Frederick STRASSEL</a:t>
-            </a:r>
-          </a:p>
-          <a:p>
-            <a:endParaRPr lang="fr-FR" sz="2000" dirty="0" smtClean="0"/>
-          </a:p>
-        </p:txBody>
-      </p:sp>
-      <p:sp>
-        <p:nvSpPr>
-          <p:cNvPr id="10" name="ZoneTexte 9"/>
-          <p:cNvSpPr txBox="1"/>
-          <p:nvPr/>
-        </p:nvSpPr>
-        <p:spPr>
-          <a:xfrm>
-            <a:off x="396122" y="4608201"/>
-            <a:ext cx="7796901" cy="2062103"/>
-          </a:xfrm>
-          <a:prstGeom prst="rect">
-            <a:avLst/>
-          </a:prstGeom>
-          <a:solidFill>
-            <a:schemeClr val="bg1"/>
-          </a:solidFill>
-          <a:ln>
-            <a:solidFill>
-              <a:schemeClr val="tx1"/>
-            </a:solidFill>
-          </a:ln>
-        </p:spPr>
-        <p:txBody>
-          <a:bodyPr wrap="square" rtlCol="0">
-            <a:spAutoFit/>
-          </a:bodyPr>
-          <a:lstStyle/>
-          <a:p>
-            <a:endParaRPr lang="fr-FR" sz="2800" b="1" dirty="0" smtClean="0"/>
-          </a:p>
-          <a:p>
-            <a:endParaRPr lang="fr-FR" sz="2000" dirty="0" smtClean="0"/>
-          </a:p>
-          <a:p>
-            <a:endParaRPr lang="fr-FR" sz="2000" dirty="0" smtClean="0"/>
-          </a:p>
-          <a:p>
-            <a:endParaRPr lang="fr-FR" sz="2000" dirty="0" smtClean="0"/>
-          </a:p>
-          <a:p>
-            <a:endParaRPr lang="fr-FR" sz="2000" dirty="0" smtClean="0"/>
-          </a:p>
-          <a:p>
-            <a:endParaRPr lang="fr-FR" sz="2000" dirty="0" smtClean="0"/>
-          </a:p>
-        </p:txBody>
-      </p:sp>
-      <p:sp>
-        <p:nvSpPr>
-          <p:cNvPr id="12" name="ZoneTexte 11"/>
-          <p:cNvSpPr txBox="1"/>
-          <p:nvPr/>
-        </p:nvSpPr>
-        <p:spPr>
-          <a:xfrm>
-            <a:off x="8436864" y="4608201"/>
-            <a:ext cx="3169920" cy="2062103"/>
-          </a:xfrm>
-          <a:prstGeom prst="rect">
-            <a:avLst/>
-          </a:prstGeom>
-          <a:solidFill>
-            <a:schemeClr val="bg1"/>
-          </a:solidFill>
-          <a:ln>
-            <a:solidFill>
-              <a:schemeClr val="tx1"/>
-            </a:solidFill>
-          </a:ln>
-        </p:spPr>
-        <p:txBody>
-          <a:bodyPr wrap="square" rtlCol="0">
-            <a:spAutoFit/>
-          </a:bodyPr>
-          <a:lstStyle/>
-          <a:p>
-            <a:r>
-              <a:rPr lang="fr-FR" sz="2800" b="1" dirty="0" smtClean="0"/>
-              <a:t>Organismes :</a:t>
-            </a:r>
-          </a:p>
-          <a:p>
-            <a:r>
-              <a:rPr lang="fr-FR" sz="2000" dirty="0" smtClean="0"/>
-              <a:t>Pôle Emploi              FIAFEC</a:t>
-            </a:r>
-          </a:p>
-          <a:p>
-            <a:endParaRPr lang="fr-FR" sz="2000" dirty="0" smtClean="0"/>
-          </a:p>
-          <a:p>
-            <a:endParaRPr lang="fr-FR" sz="2000" dirty="0"/>
-          </a:p>
-          <a:p>
-            <a:endParaRPr lang="fr-FR" sz="2000" dirty="0" smtClean="0"/>
-          </a:p>
-          <a:p>
-            <a:endParaRPr lang="fr-FR" sz="2000" dirty="0" smtClean="0"/>
-          </a:p>
-        </p:txBody>
-      </p:sp>
-      <p:pic>
-        <p:nvPicPr>
-          <p:cNvPr id="2054" name="Picture 6" descr="https://media.licdn.com/dms/image/C4D0BAQFgdW5n-9JcqQ/company-logo_200_200/0?e=2159024400&amp;v=beta&amp;t=fmv4wDvlVd0Ir7sSTEw_t0ar1d8lr7Oj01Ffs7YTaeQ"/>
-          <p:cNvPicPr>
-            <a:picLocks noChangeAspect="1" noChangeArrowheads="1"/>
-          </p:cNvPicPr>
-          <p:nvPr/>
-        </p:nvPicPr>
-        <p:blipFill rotWithShape="1">
-          <a:blip r:embed="rId3">
-            <a:extLst>
-              <a:ext uri="{28A0092B-C50C-407E-A947-70E740481C1C}">
-                <a14:useLocalDpi xmlns:a14="http://schemas.microsoft.com/office/drawing/2010/main" val="0"/>
-              </a:ext>
-            </a:extLst>
-          </a:blip>
-          <a:srcRect l="19323" t="19589" r="20310" b="17223"/>
-          <a:stretch/>
-        </p:blipFill>
-        <p:spPr bwMode="auto">
-          <a:xfrm>
-            <a:off x="6083018" y="1429374"/>
-            <a:ext cx="1767840" cy="1850449"/>
-          </a:xfrm>
-          <a:prstGeom prst="rect">
-            <a:avLst/>
-          </a:prstGeom>
-          <a:noFill/>
-          <a:extLst>
-            <a:ext uri="{909E8E84-426E-40DD-AFC4-6F175D3DCCD1}">
-              <a14:hiddenFill xmlns:a14="http://schemas.microsoft.com/office/drawing/2010/main">
-                <a:solidFill>
-                  <a:srgbClr val="FFFFFF"/>
-                </a:solidFill>
-              </a14:hiddenFill>
-            </a:ext>
-          </a:extLst>
-        </p:spPr>
-      </p:pic>
-      <p:pic>
-        <p:nvPicPr>
-          <p:cNvPr id="2056" name="Picture 8" descr="Résultat de recherche d'images pour &quot;aelion&quot;"/>
-          <p:cNvPicPr>
-            <a:picLocks noChangeAspect="1" noChangeArrowheads="1"/>
-          </p:cNvPicPr>
-          <p:nvPr/>
-        </p:nvPicPr>
-        <p:blipFill rotWithShape="1">
-          <a:blip r:embed="rId4" cstate="print">
-            <a:extLst>
-              <a:ext uri="{28A0092B-C50C-407E-A947-70E740481C1C}">
-                <a14:useLocalDpi xmlns:a14="http://schemas.microsoft.com/office/drawing/2010/main" val="0"/>
-              </a:ext>
-            </a:extLst>
-          </a:blip>
-          <a:srcRect l="12757" t="25488" r="8548" b="23578"/>
-          <a:stretch/>
-        </p:blipFill>
-        <p:spPr bwMode="auto">
-          <a:xfrm>
-            <a:off x="3853462" y="2122996"/>
-            <a:ext cx="2242538" cy="950754"/>
-          </a:xfrm>
-          <a:prstGeom prst="rect">
-            <a:avLst/>
-          </a:prstGeom>
-          <a:noFill/>
-          <a:extLst>
-            <a:ext uri="{909E8E84-426E-40DD-AFC4-6F175D3DCCD1}">
-              <a14:hiddenFill xmlns:a14="http://schemas.microsoft.com/office/drawing/2010/main">
-                <a:solidFill>
-                  <a:srgbClr val="FFFFFF"/>
-                </a:solidFill>
-              </a14:hiddenFill>
-            </a:ext>
-          </a:extLst>
-        </p:spPr>
-      </p:pic>
-      <p:pic>
-        <p:nvPicPr>
-          <p:cNvPr id="2058" name="Picture 10" descr="Résultat de recherche d'images pour &quot;capgemini&quot;"/>
-          <p:cNvPicPr>
-            <a:picLocks noChangeAspect="1" noChangeArrowheads="1"/>
-          </p:cNvPicPr>
-          <p:nvPr/>
-        </p:nvPicPr>
-        <p:blipFill>
-          <a:blip r:embed="rId5" cstate="print">
-            <a:extLst>
-              <a:ext uri="{28A0092B-C50C-407E-A947-70E740481C1C}">
-                <a14:useLocalDpi xmlns:a14="http://schemas.microsoft.com/office/drawing/2010/main" val="0"/>
-              </a:ext>
-            </a:extLst>
-          </a:blip>
-          <a:srcRect/>
-          <a:stretch>
-            <a:fillRect/>
-          </a:stretch>
-        </p:blipFill>
-        <p:spPr bwMode="auto">
-          <a:xfrm>
-            <a:off x="268106" y="4608201"/>
-            <a:ext cx="3057466" cy="1239747"/>
-          </a:xfrm>
-          <a:prstGeom prst="rect">
-            <a:avLst/>
-          </a:prstGeom>
-          <a:noFill/>
-          <a:extLst>
-            <a:ext uri="{909E8E84-426E-40DD-AFC4-6F175D3DCCD1}">
-              <a14:hiddenFill xmlns:a14="http://schemas.microsoft.com/office/drawing/2010/main">
-                <a:solidFill>
-                  <a:srgbClr val="FFFFFF"/>
-                </a:solidFill>
-              </a14:hiddenFill>
-            </a:ext>
-          </a:extLst>
-        </p:spPr>
-      </p:pic>
-      <p:pic>
-        <p:nvPicPr>
-          <p:cNvPr id="2060" name="Picture 12" descr="Résultat de recherche d'images pour &quot;sogeti&quot;"/>
-          <p:cNvPicPr>
-            <a:picLocks noChangeAspect="1" noChangeArrowheads="1"/>
-          </p:cNvPicPr>
-          <p:nvPr/>
-        </p:nvPicPr>
-        <p:blipFill>
-          <a:blip r:embed="rId6" cstate="print">
-            <a:extLst>
-              <a:ext uri="{28A0092B-C50C-407E-A947-70E740481C1C}">
-                <a14:useLocalDpi xmlns:a14="http://schemas.microsoft.com/office/drawing/2010/main" val="0"/>
-              </a:ext>
-            </a:extLst>
-          </a:blip>
-          <a:srcRect/>
-          <a:stretch>
-            <a:fillRect/>
-          </a:stretch>
-        </p:blipFill>
-        <p:spPr bwMode="auto">
-          <a:xfrm>
-            <a:off x="6376416" y="4891527"/>
-            <a:ext cx="1410286" cy="729823"/>
-          </a:xfrm>
-          <a:prstGeom prst="rect">
-            <a:avLst/>
-          </a:prstGeom>
-          <a:noFill/>
-          <a:extLst>
-            <a:ext uri="{909E8E84-426E-40DD-AFC4-6F175D3DCCD1}">
-              <a14:hiddenFill xmlns:a14="http://schemas.microsoft.com/office/drawing/2010/main">
-                <a:solidFill>
-                  <a:srgbClr val="FFFFFF"/>
-                </a:solidFill>
-              </a14:hiddenFill>
-            </a:ext>
-          </a:extLst>
-        </p:spPr>
-      </p:pic>
-      <p:pic>
-        <p:nvPicPr>
-          <p:cNvPr id="2062" name="Picture 14" descr="Résultat de recherche d'images pour &quot;econocom&quot;"/>
-          <p:cNvPicPr>
-            <a:picLocks noChangeAspect="1" noChangeArrowheads="1"/>
-          </p:cNvPicPr>
-          <p:nvPr/>
-        </p:nvPicPr>
-        <p:blipFill rotWithShape="1">
-          <a:blip r:embed="rId7" cstate="print">
-            <a:extLst>
-              <a:ext uri="{28A0092B-C50C-407E-A947-70E740481C1C}">
-                <a14:useLocalDpi xmlns:a14="http://schemas.microsoft.com/office/drawing/2010/main" val="0"/>
-              </a:ext>
-            </a:extLst>
-          </a:blip>
-          <a:srcRect l="13612" t="35319" r="13637" b="35147"/>
-          <a:stretch/>
-        </p:blipFill>
-        <p:spPr bwMode="auto">
-          <a:xfrm>
-            <a:off x="3496261" y="4879335"/>
-            <a:ext cx="2342917" cy="635576"/>
-          </a:xfrm>
-          <a:prstGeom prst="rect">
-            <a:avLst/>
-          </a:prstGeom>
-          <a:noFill/>
-          <a:extLst>
-            <a:ext uri="{909E8E84-426E-40DD-AFC4-6F175D3DCCD1}">
-              <a14:hiddenFill xmlns:a14="http://schemas.microsoft.com/office/drawing/2010/main">
-                <a:solidFill>
-                  <a:srgbClr val="FFFFFF"/>
-                </a:solidFill>
-              </a14:hiddenFill>
-            </a:ext>
-          </a:extLst>
-        </p:spPr>
-      </p:pic>
-      <p:sp>
-        <p:nvSpPr>
-          <p:cNvPr id="6" name="ZoneTexte 5"/>
-          <p:cNvSpPr txBox="1"/>
-          <p:nvPr/>
-        </p:nvSpPr>
-        <p:spPr>
-          <a:xfrm>
-            <a:off x="487680" y="5804230"/>
-            <a:ext cx="7498080" cy="707886"/>
-          </a:xfrm>
-          <a:prstGeom prst="rect">
-            <a:avLst/>
-          </a:prstGeom>
-          <a:noFill/>
-        </p:spPr>
-        <p:txBody>
-          <a:bodyPr wrap="square" rtlCol="0">
-            <a:spAutoFit/>
-          </a:bodyPr>
-          <a:lstStyle/>
-          <a:p>
-            <a:r>
-              <a:rPr lang="fr-FR" sz="2000" dirty="0" smtClean="0"/>
-              <a:t>Un grand merci à nos futurs employeurs, tout particulièrement aux personnes présentes aujourd’hui : Gilles FOUREST et Laurent PECKRE.</a:t>
-            </a:r>
-            <a:endParaRPr lang="fr-FR" sz="2000" dirty="0"/>
-          </a:p>
-        </p:txBody>
-      </p:sp>
-      <p:pic>
-        <p:nvPicPr>
-          <p:cNvPr id="2064" name="Picture 16" descr="Résultat de recherche d'images pour &quot;pole emploi&quot;"/>
-          <p:cNvPicPr>
-            <a:picLocks noChangeAspect="1" noChangeArrowheads="1"/>
-          </p:cNvPicPr>
-          <p:nvPr/>
-        </p:nvPicPr>
-        <p:blipFill>
-          <a:blip r:embed="rId8" cstate="print">
-            <a:extLst>
-              <a:ext uri="{28A0092B-C50C-407E-A947-70E740481C1C}">
-                <a14:useLocalDpi xmlns:a14="http://schemas.microsoft.com/office/drawing/2010/main" val="0"/>
-              </a:ext>
-            </a:extLst>
-          </a:blip>
-          <a:srcRect/>
-          <a:stretch>
-            <a:fillRect/>
-          </a:stretch>
-        </p:blipFill>
-        <p:spPr bwMode="auto">
-          <a:xfrm>
-            <a:off x="8563005" y="5528728"/>
-            <a:ext cx="1330571" cy="995580"/>
-          </a:xfrm>
-          <a:prstGeom prst="rect">
-            <a:avLst/>
-          </a:prstGeom>
-          <a:noFill/>
-          <a:extLst>
-            <a:ext uri="{909E8E84-426E-40DD-AFC4-6F175D3DCCD1}">
-              <a14:hiddenFill xmlns:a14="http://schemas.microsoft.com/office/drawing/2010/main">
-                <a:solidFill>
-                  <a:srgbClr val="FFFFFF"/>
-                </a:solidFill>
-              </a14:hiddenFill>
-            </a:ext>
-          </a:extLst>
-        </p:spPr>
-      </p:pic>
-      <p:pic>
-        <p:nvPicPr>
-          <p:cNvPr id="2066" name="Picture 18" descr="Résultat de recherche d'images pour &quot;fafiec&quot;"/>
-          <p:cNvPicPr>
-            <a:picLocks noChangeAspect="1" noChangeArrowheads="1"/>
-          </p:cNvPicPr>
-          <p:nvPr/>
-        </p:nvPicPr>
-        <p:blipFill>
-          <a:blip r:embed="rId9" cstate="print">
-            <a:extLst>
-              <a:ext uri="{28A0092B-C50C-407E-A947-70E740481C1C}">
-                <a14:useLocalDpi xmlns:a14="http://schemas.microsoft.com/office/drawing/2010/main" val="0"/>
-              </a:ext>
-            </a:extLst>
-          </a:blip>
-          <a:srcRect/>
-          <a:stretch>
-            <a:fillRect/>
-          </a:stretch>
-        </p:blipFill>
-        <p:spPr bwMode="auto">
-          <a:xfrm>
-            <a:off x="10058556" y="5596966"/>
-            <a:ext cx="1633572" cy="642902"/>
-          </a:xfrm>
-          <a:prstGeom prst="rect">
-            <a:avLst/>
-          </a:prstGeom>
-          <a:noFill/>
-          <a:extLst>
-            <a:ext uri="{909E8E84-426E-40DD-AFC4-6F175D3DCCD1}">
-              <a14:hiddenFill xmlns:a14="http://schemas.microsoft.com/office/drawing/2010/main">
-                <a:solidFill>
-                  <a:srgbClr val="FFFFFF"/>
-                </a:solidFill>
-              </a14:hiddenFill>
-            </a:ext>
-          </a:extLst>
-        </p:spPr>
-      </p:pic>
-      <p:pic>
-        <p:nvPicPr>
-          <p:cNvPr id="13" name="Image 12"/>
-          <p:cNvPicPr>
-            <a:picLocks noChangeAspect="1"/>
-          </p:cNvPicPr>
-          <p:nvPr/>
-        </p:nvPicPr>
-        <p:blipFill>
-          <a:blip r:embed="rId10"/>
-          <a:stretch>
-            <a:fillRect/>
-          </a:stretch>
-        </p:blipFill>
-        <p:spPr>
-          <a:xfrm>
-            <a:off x="5366657" y="3395640"/>
-            <a:ext cx="1894114" cy="810993"/>
-          </a:xfrm>
-          <a:prstGeom prst="rect">
-            <a:avLst/>
-          </a:prstGeom>
-        </p:spPr>
-      </p:pic>
-    </p:spTree>
-    <p:extLst>
-      <p:ext uri="{BB962C8B-B14F-4D97-AF65-F5344CB8AC3E}">
-        <p14:creationId xmlns:p14="http://schemas.microsoft.com/office/powerpoint/2010/main" val="4159202307"/>
       </p:ext>
     </p:extLst>
   </p:cSld>
@@ -31545,7 +31371,7 @@
         <p:spPr>
           <a:xfrm>
             <a:off x="1704577" y="4391685"/>
-            <a:ext cx="2225033" cy="461665"/>
+            <a:ext cx="2279535" cy="461665"/>
           </a:xfrm>
           <a:prstGeom prst="rect">
             <a:avLst/>
@@ -31580,7 +31406,7 @@
               <a:t>Référentiel ITIL</a:t>
             </a:r>
             <a:r>
-              <a:rPr kumimoji="0" lang="fr-FR" sz="1800" b="0" i="0" u="none" strike="noStrike" kern="1200" cap="none" spc="0" normalizeH="0" baseline="0" noProof="0" dirty="0" smtClean="0">
+              <a:rPr kumimoji="0" lang="fr-FR" sz="2400" b="0" i="0" u="none" strike="noStrike" kern="1200" cap="none" spc="0" normalizeH="0" baseline="0" noProof="0" dirty="0" smtClean="0">
                 <a:ln>
                   <a:noFill/>
                 </a:ln>
@@ -31596,7 +31422,7 @@
               </a:rPr>
               <a:t>® </a:t>
             </a:r>
-            <a:endParaRPr kumimoji="0" lang="fr-FR" sz="1800" b="0" i="0" u="none" strike="noStrike" kern="1200" cap="none" spc="0" normalizeH="0" baseline="0" noProof="0" dirty="0">
+            <a:endParaRPr kumimoji="0" lang="fr-FR" sz="2400" b="0" i="0" u="none" strike="noStrike" kern="1200" cap="none" spc="0" normalizeH="0" baseline="0" noProof="0" dirty="0">
               <a:ln>
                 <a:noFill/>
               </a:ln>
@@ -31800,47 +31626,6 @@
           </a:p>
         </p:txBody>
       </p:sp>
-      <p:pic>
-        <p:nvPicPr>
-          <p:cNvPr id="1034" name="Picture 10" descr="Résultat de recherche d'images pour &quot;version itil&quot;"/>
-          <p:cNvPicPr>
-            <a:picLocks noChangeAspect="1" noChangeArrowheads="1"/>
-          </p:cNvPicPr>
-          <p:nvPr/>
-        </p:nvPicPr>
-        <p:blipFill>
-          <a:blip r:embed="rId5">
-            <a:extLst>
-              <a:ext uri="{28A0092B-C50C-407E-A947-70E740481C1C}">
-                <a14:useLocalDpi xmlns:a14="http://schemas.microsoft.com/office/drawing/2010/main" val="0"/>
-              </a:ext>
-            </a:extLst>
-          </a:blip>
-          <a:srcRect/>
-          <a:stretch>
-            <a:fillRect/>
-          </a:stretch>
-        </p:blipFill>
-        <p:spPr bwMode="auto">
-          <a:xfrm>
-            <a:off x="608816" y="4974178"/>
-            <a:ext cx="4982088" cy="1678538"/>
-          </a:xfrm>
-          <a:prstGeom prst="rect">
-            <a:avLst/>
-          </a:prstGeom>
-          <a:noFill/>
-          <a:extLst>
-            <a:ext uri="{909E8E84-426E-40DD-AFC4-6F175D3DCCD1}">
-              <a14:hiddenFill xmlns:a14="http://schemas.microsoft.com/office/drawing/2010/main">
-                <a:solidFill>
-                  <a:srgbClr val="FFFFFF"/>
-                </a:solidFill>
-              </a14:hiddenFill>
-            </a:ext>
-          </a:extLst>
-        </p:spPr>
-      </p:pic>
       <p:sp>
         <p:nvSpPr>
           <p:cNvPr id="5" name="ZoneTexte 4"/>
@@ -31982,7 +31767,7 @@
           <p:nvPr/>
         </p:nvPicPr>
         <p:blipFill>
-          <a:blip r:embed="rId6" cstate="print">
+          <a:blip r:embed="rId5" cstate="print">
             <a:extLst>
               <a:ext uri="{28A0092B-C50C-407E-A947-70E740481C1C}">
                 <a14:useLocalDpi xmlns:a14="http://schemas.microsoft.com/office/drawing/2010/main" val="0"/>
@@ -32003,88 +31788,144 @@
           </a:prstGeom>
         </p:spPr>
       </p:pic>
-      <p:sp>
-        <p:nvSpPr>
-          <p:cNvPr id="3" name="Rectangle 2"/>
-          <p:cNvSpPr/>
-          <p:nvPr/>
-        </p:nvSpPr>
-        <p:spPr>
-          <a:xfrm>
-            <a:off x="4552950" y="5210175"/>
-            <a:ext cx="947738" cy="781050"/>
-          </a:xfrm>
-          <a:prstGeom prst="rect">
-            <a:avLst/>
-          </a:prstGeom>
-          <a:solidFill>
-            <a:schemeClr val="bg1"/>
-          </a:solidFill>
-          <a:ln>
+      <p:grpSp>
+        <p:nvGrpSpPr>
+          <p:cNvPr id="11" name="Groupe 10"/>
+          <p:cNvGrpSpPr/>
+          <p:nvPr/>
+        </p:nvGrpSpPr>
+        <p:grpSpPr>
+          <a:xfrm>
+            <a:off x="608816" y="4974178"/>
+            <a:ext cx="4982088" cy="1678538"/>
+            <a:chOff x="608816" y="4974178"/>
+            <a:chExt cx="4982088" cy="1678538"/>
+          </a:xfrm>
+        </p:grpSpPr>
+        <p:pic>
+          <p:nvPicPr>
+            <p:cNvPr id="1034" name="Picture 10" descr="Résultat de recherche d'images pour &quot;version itil&quot;"/>
+            <p:cNvPicPr>
+              <a:picLocks noChangeAspect="1" noChangeArrowheads="1"/>
+            </p:cNvPicPr>
+            <p:nvPr/>
+          </p:nvPicPr>
+          <p:blipFill>
+            <a:blip r:embed="rId6">
+              <a:extLst>
+                <a:ext uri="{28A0092B-C50C-407E-A947-70E740481C1C}">
+                  <a14:useLocalDpi xmlns:a14="http://schemas.microsoft.com/office/drawing/2010/main" val="0"/>
+                </a:ext>
+              </a:extLst>
+            </a:blip>
+            <a:srcRect/>
+            <a:stretch>
+              <a:fillRect/>
+            </a:stretch>
+          </p:blipFill>
+          <p:spPr bwMode="auto">
+            <a:xfrm>
+              <a:off x="608816" y="4974178"/>
+              <a:ext cx="4982088" cy="1678538"/>
+            </a:xfrm>
+            <a:prstGeom prst="rect">
+              <a:avLst/>
+            </a:prstGeom>
             <a:noFill/>
-          </a:ln>
-        </p:spPr>
-        <p:style>
-          <a:lnRef idx="2">
-            <a:schemeClr val="accent1">
-              <a:shade val="50000"/>
-            </a:schemeClr>
-          </a:lnRef>
-          <a:fillRef idx="1">
-            <a:schemeClr val="accent1"/>
-          </a:fillRef>
-          <a:effectRef idx="0">
-            <a:schemeClr val="accent1"/>
-          </a:effectRef>
-          <a:fontRef idx="minor">
-            <a:schemeClr val="lt1"/>
-          </a:fontRef>
-        </p:style>
-        <p:txBody>
-          <a:bodyPr rtlCol="0" anchor="ctr"/>
-          <a:lstStyle/>
-          <a:p>
-            <a:pPr algn="ctr"/>
-            <a:endParaRPr lang="fr-FR" dirty="0"/>
-          </a:p>
-        </p:txBody>
-      </p:sp>
-      <p:sp>
-        <p:nvSpPr>
-          <p:cNvPr id="9" name="ZoneTexte 8"/>
-          <p:cNvSpPr txBox="1"/>
-          <p:nvPr/>
-        </p:nvSpPr>
-        <p:spPr>
-          <a:xfrm>
-            <a:off x="4462734" y="5138340"/>
-            <a:ext cx="681597" cy="523220"/>
-          </a:xfrm>
-          <a:prstGeom prst="rect">
-            <a:avLst/>
-          </a:prstGeom>
-          <a:noFill/>
-        </p:spPr>
-        <p:txBody>
-          <a:bodyPr wrap="none" rtlCol="0">
-            <a:spAutoFit/>
-          </a:bodyPr>
-          <a:lstStyle/>
-          <a:p>
-            <a:r>
-              <a:rPr lang="fr-FR" sz="1400" b="1" dirty="0" smtClean="0"/>
-              <a:t>ITIL V4</a:t>
-            </a:r>
-          </a:p>
-          <a:p>
-            <a:r>
-              <a:rPr lang="fr-FR" sz="1400" b="1" dirty="0" smtClean="0"/>
-              <a:t>(2019)</a:t>
-            </a:r>
-            <a:endParaRPr lang="fr-FR" sz="1400" b="1" dirty="0"/>
-          </a:p>
-        </p:txBody>
-      </p:sp>
+            <a:extLst>
+              <a:ext uri="{909E8E84-426E-40DD-AFC4-6F175D3DCCD1}">
+                <a14:hiddenFill xmlns:a14="http://schemas.microsoft.com/office/drawing/2010/main">
+                  <a:solidFill>
+                    <a:srgbClr val="FFFFFF"/>
+                  </a:solidFill>
+                </a14:hiddenFill>
+              </a:ext>
+            </a:extLst>
+          </p:spPr>
+        </p:pic>
+        <p:sp>
+          <p:nvSpPr>
+            <p:cNvPr id="3" name="Rectangle 2"/>
+            <p:cNvSpPr/>
+            <p:nvPr/>
+          </p:nvSpPr>
+          <p:spPr>
+            <a:xfrm>
+              <a:off x="4552950" y="5210175"/>
+              <a:ext cx="947738" cy="781050"/>
+            </a:xfrm>
+            <a:prstGeom prst="rect">
+              <a:avLst/>
+            </a:prstGeom>
+            <a:solidFill>
+              <a:schemeClr val="bg1"/>
+            </a:solidFill>
+            <a:ln>
+              <a:noFill/>
+            </a:ln>
+          </p:spPr>
+          <p:style>
+            <a:lnRef idx="2">
+              <a:schemeClr val="accent1">
+                <a:shade val="50000"/>
+              </a:schemeClr>
+            </a:lnRef>
+            <a:fillRef idx="1">
+              <a:schemeClr val="accent1"/>
+            </a:fillRef>
+            <a:effectRef idx="0">
+              <a:schemeClr val="accent1"/>
+            </a:effectRef>
+            <a:fontRef idx="minor">
+              <a:schemeClr val="lt1"/>
+            </a:fontRef>
+          </p:style>
+          <p:txBody>
+            <a:bodyPr rtlCol="0" anchor="ctr"/>
+            <a:lstStyle/>
+            <a:p>
+              <a:pPr algn="ctr"/>
+              <a:endParaRPr lang="fr-FR" dirty="0"/>
+            </a:p>
+          </p:txBody>
+        </p:sp>
+        <p:sp>
+          <p:nvSpPr>
+            <p:cNvPr id="9" name="ZoneTexte 8"/>
+            <p:cNvSpPr txBox="1"/>
+            <p:nvPr/>
+          </p:nvSpPr>
+          <p:spPr>
+            <a:xfrm>
+              <a:off x="4462734" y="5138340"/>
+              <a:ext cx="681597" cy="523220"/>
+            </a:xfrm>
+            <a:prstGeom prst="rect">
+              <a:avLst/>
+            </a:prstGeom>
+            <a:noFill/>
+          </p:spPr>
+          <p:txBody>
+            <a:bodyPr wrap="none" rtlCol="0">
+              <a:spAutoFit/>
+            </a:bodyPr>
+            <a:lstStyle/>
+            <a:p>
+              <a:r>
+                <a:rPr lang="fr-FR" sz="1400" b="1" dirty="0" smtClean="0"/>
+                <a:t>ITIL V4</a:t>
+              </a:r>
+            </a:p>
+            <a:p>
+              <a:r>
+                <a:rPr lang="fr-FR" sz="1400" b="1" dirty="0" smtClean="0"/>
+                <a:t>(2019)</a:t>
+              </a:r>
+              <a:endParaRPr lang="fr-FR" sz="1400" b="1" dirty="0"/>
+            </a:p>
+          </p:txBody>
+        </p:sp>
+      </p:grpSp>
     </p:spTree>
     <p:extLst>
       <p:ext uri="{BB962C8B-B14F-4D97-AF65-F5344CB8AC3E}">
@@ -32116,7 +31957,7 @@
                             </p:stCondLst>
                             <p:childTnLst>
                               <p:par>
-                                <p:cTn id="5" presetID="1" presetClass="entr" presetSubtype="0" fill="hold" nodeType="clickEffect">
+                                <p:cTn id="5" presetID="1" presetClass="entr" presetSubtype="0" fill="hold" grpId="0" nodeType="clickEffect">
                                   <p:stCondLst>
                                     <p:cond delay="0"/>
                                   </p:stCondLst>
@@ -32129,7 +31970,7 @@
                                           </p:stCondLst>
                                         </p:cTn>
                                         <p:tgtEl>
-                                          <p:spTgt spid="1034"/>
+                                          <p:spTgt spid="19"/>
                                         </p:tgtEl>
                                         <p:attrNameLst>
                                           <p:attrName>style.visibility</p:attrName>
@@ -32143,7 +31984,7 @@
                                 </p:cTn>
                               </p:par>
                               <p:par>
-                                <p:cTn id="7" presetID="1" presetClass="entr" presetSubtype="0" fill="hold" grpId="0" nodeType="withEffect">
+                                <p:cTn id="7" presetID="1" presetClass="entr" presetSubtype="0" fill="hold" nodeType="withEffect">
                                   <p:stCondLst>
                                     <p:cond delay="0"/>
                                   </p:stCondLst>
@@ -32156,7 +31997,7 @@
                                           </p:stCondLst>
                                         </p:cTn>
                                         <p:tgtEl>
-                                          <p:spTgt spid="19"/>
+                                          <p:spTgt spid="11"/>
                                         </p:tgtEl>
                                         <p:attrNameLst>
                                           <p:attrName>style.visibility</p:attrName>
@@ -32215,7 +32056,7 @@
                             </p:stCondLst>
                             <p:childTnLst>
                               <p:par>
-                                <p:cTn id="13" presetID="1" presetClass="entr" presetSubtype="0" fill="hold" nodeType="clickEffect">
+                                <p:cTn id="13" presetID="1" presetClass="entr" presetSubtype="0" fill="hold" grpId="0" nodeType="clickEffect">
                                   <p:stCondLst>
                                     <p:cond delay="0"/>
                                   </p:stCondLst>
@@ -32228,7 +32069,7 @@
                                           </p:stCondLst>
                                         </p:cTn>
                                         <p:tgtEl>
-                                          <p:spTgt spid="7"/>
+                                          <p:spTgt spid="20"/>
                                         </p:tgtEl>
                                         <p:attrNameLst>
                                           <p:attrName>style.visibility</p:attrName>
@@ -32242,7 +32083,7 @@
                                 </p:cTn>
                               </p:par>
                               <p:par>
-                                <p:cTn id="15" presetID="1" presetClass="entr" presetSubtype="0" fill="hold" grpId="0" nodeType="withEffect">
+                                <p:cTn id="15" presetID="1" presetClass="entr" presetSubtype="0" fill="hold" nodeType="withEffect">
                                   <p:stCondLst>
                                     <p:cond delay="0"/>
                                   </p:stCondLst>
@@ -32255,7 +32096,7 @@
                                           </p:stCondLst>
                                         </p:cTn>
                                         <p:tgtEl>
-                                          <p:spTgt spid="20"/>
+                                          <p:spTgt spid="7"/>
                                         </p:tgtEl>
                                         <p:attrNameLst>
                                           <p:attrName>style.visibility</p:attrName>
